--- a/Capstone-하민/공문서/PPT_1_폰트_맑은고딕.pptx
+++ b/Capstone-하민/공문서/PPT_1_폰트_맑은고딕.pptx
@@ -8603,7 +8603,7 @@
         </p:nvGrpSpPr>
         <p:grpSpPr>
           <a:xfrm>
-            <a:off x="2001422" y="3732143"/>
+            <a:off x="1725850" y="3732143"/>
             <a:ext cx="188844" cy="866664"/>
             <a:chOff x="2001422" y="3732143"/>
             <a:chExt cx="188844" cy="866664"/>
@@ -8706,7 +8706,7 @@
         </p:nvGrpSpPr>
         <p:grpSpPr>
           <a:xfrm>
-            <a:off x="7323204" y="3732143"/>
+            <a:off x="5957870" y="3732143"/>
             <a:ext cx="188844" cy="866664"/>
             <a:chOff x="7323204" y="3732143"/>
             <a:chExt cx="188844" cy="866664"/>
@@ -8809,7 +8809,7 @@
         </p:nvGrpSpPr>
         <p:grpSpPr>
           <a:xfrm>
-            <a:off x="4662313" y="3045728"/>
+            <a:off x="3672759" y="3045728"/>
             <a:ext cx="188844" cy="875259"/>
             <a:chOff x="4662313" y="3045728"/>
             <a:chExt cx="188844" cy="875259"/>
@@ -8907,7 +8907,7 @@
         </p:nvGrpSpPr>
         <p:grpSpPr>
           <a:xfrm>
-            <a:off x="9984095" y="3045728"/>
+            <a:off x="8042565" y="3045728"/>
             <a:ext cx="188844" cy="875259"/>
             <a:chOff x="9984095" y="3045728"/>
             <a:chExt cx="188844" cy="875259"/>
@@ -9005,7 +9005,7 @@
         </p:nvGrpSpPr>
         <p:grpSpPr>
           <a:xfrm>
-            <a:off x="1150797" y="4454970"/>
+            <a:off x="875225" y="4454970"/>
             <a:ext cx="1890093" cy="2028022"/>
             <a:chOff x="1150797" y="4454970"/>
             <a:chExt cx="1890093" cy="2028022"/>
@@ -9119,8 +9119,8 @@
         </p:nvSpPr>
         <p:spPr>
           <a:xfrm>
-            <a:off x="1343874" y="4830308"/>
-            <a:ext cx="1503938" cy="1569660"/>
+            <a:off x="1048263" y="4830308"/>
+            <a:ext cx="1544012" cy="1938992"/>
           </a:xfrm>
           <a:prstGeom prst="rect">
             <a:avLst/>
@@ -9135,23 +9135,6 @@
           <a:p>
             <a:pPr algn="ctr"/>
             <a:r>
-              <a:rPr lang="ko-KR" altLang="en-US" sz="1200" dirty="0" err="1">
-                <a:gradFill>
-                  <a:gsLst>
-                    <a:gs pos="0">
-                      <a:schemeClr val="tx1"/>
-                    </a:gs>
-                    <a:gs pos="100000">
-                      <a:schemeClr val="tx1"/>
-                    </a:gs>
-                  </a:gsLst>
-                  <a:lin ang="5400000" scaled="1"/>
-                </a:gradFill>
-                <a:ea typeface="KoPub돋움체 Medium" panose="02020603020101020101" pitchFamily="18" charset="-127"/>
-              </a:rPr>
-              <a:t>팡팡이의</a:t>
-            </a:r>
-            <a:r>
               <a:rPr lang="ko-KR" altLang="en-US" sz="1200" dirty="0">
                 <a:gradFill>
                   <a:gsLst>
@@ -9166,7 +9149,7 @@
                 </a:gradFill>
                 <a:ea typeface="KoPub돋움체 Medium" panose="02020603020101020101" pitchFamily="18" charset="-127"/>
               </a:rPr>
-              <a:t> </a:t>
+              <a:t>수업 </a:t>
             </a:r>
             <a:r>
               <a:rPr lang="en-US" altLang="ko-KR" sz="1200" dirty="0">
@@ -9183,7 +9166,7 @@
                 </a:gradFill>
                 <a:ea typeface="KoPub돋움체 Medium" panose="02020603020101020101" pitchFamily="18" charset="-127"/>
               </a:rPr>
-              <a:t>ICCT</a:t>
+              <a:t>1</a:t>
             </a:r>
             <a:r>
               <a:rPr lang="ko-KR" altLang="en-US" sz="1200" dirty="0">
@@ -9200,7 +9183,7 @@
                 </a:gradFill>
                 <a:ea typeface="KoPub돋움체 Medium" panose="02020603020101020101" pitchFamily="18" charset="-127"/>
               </a:rPr>
-              <a:t>는</a:t>
+              <a:t>주차 화요일</a:t>
             </a:r>
             <a:endParaRPr lang="en-US" altLang="ko-KR" sz="1200" dirty="0">
               <a:gradFill>
@@ -9216,43 +9199,6 @@
               </a:gradFill>
               <a:ea typeface="KoPub돋움체 Medium" panose="02020603020101020101" pitchFamily="18" charset="-127"/>
             </a:endParaRPr>
-          </a:p>
-          <a:p>
-            <a:pPr algn="ctr"/>
-            <a:r>
-              <a:rPr lang="ko-KR" altLang="en-US" sz="1200" dirty="0">
-                <a:gradFill>
-                  <a:gsLst>
-                    <a:gs pos="0">
-                      <a:schemeClr val="tx1"/>
-                    </a:gs>
-                    <a:gs pos="100000">
-                      <a:schemeClr val="tx1"/>
-                    </a:gs>
-                  </a:gsLst>
-                  <a:lin ang="5400000" scaled="1"/>
-                </a:gradFill>
-                <a:ea typeface="KoPub돋움체 Medium" panose="02020603020101020101" pitchFamily="18" charset="-127"/>
-              </a:rPr>
-              <a:t>매일 업로드합니다</a:t>
-            </a:r>
-            <a:r>
-              <a:rPr lang="en-US" altLang="ko-KR" sz="1200" dirty="0">
-                <a:gradFill>
-                  <a:gsLst>
-                    <a:gs pos="0">
-                      <a:schemeClr val="tx1"/>
-                    </a:gs>
-                    <a:gs pos="100000">
-                      <a:schemeClr val="tx1"/>
-                    </a:gs>
-                  </a:gsLst>
-                  <a:lin ang="5400000" scaled="1"/>
-                </a:gradFill>
-                <a:ea typeface="KoPub돋움체 Medium" panose="02020603020101020101" pitchFamily="18" charset="-127"/>
-              </a:rPr>
-              <a:t>.</a:t>
-            </a:r>
           </a:p>
           <a:p>
             <a:pPr algn="ctr"/>
@@ -9274,23 +9220,6 @@
           <a:p>
             <a:pPr algn="ctr"/>
             <a:r>
-              <a:rPr lang="ko-KR" altLang="en-US" sz="1200" dirty="0" err="1">
-                <a:gradFill>
-                  <a:gsLst>
-                    <a:gs pos="0">
-                      <a:schemeClr val="tx1"/>
-                    </a:gs>
-                    <a:gs pos="100000">
-                      <a:schemeClr val="tx1"/>
-                    </a:gs>
-                  </a:gsLst>
-                  <a:lin ang="5400000" scaled="1"/>
-                </a:gradFill>
-                <a:ea typeface="KoPub돋움체 Medium" panose="02020603020101020101" pitchFamily="18" charset="-127"/>
-              </a:rPr>
-              <a:t>팡팡이의</a:t>
-            </a:r>
-            <a:r>
               <a:rPr lang="ko-KR" altLang="en-US" sz="1200" dirty="0">
                 <a:gradFill>
                   <a:gsLst>
@@ -9305,75 +9234,7 @@
                 </a:gradFill>
                 <a:ea typeface="KoPub돋움체 Medium" panose="02020603020101020101" pitchFamily="18" charset="-127"/>
               </a:rPr>
-              <a:t> </a:t>
-            </a:r>
-            <a:r>
-              <a:rPr lang="en-US" altLang="ko-KR" sz="1200" dirty="0">
-                <a:gradFill>
-                  <a:gsLst>
-                    <a:gs pos="0">
-                      <a:schemeClr val="tx1"/>
-                    </a:gs>
-                    <a:gs pos="100000">
-                      <a:schemeClr val="tx1"/>
-                    </a:gs>
-                  </a:gsLst>
-                  <a:lin ang="5400000" scaled="1"/>
-                </a:gradFill>
-                <a:ea typeface="KoPub돋움체 Medium" panose="02020603020101020101" pitchFamily="18" charset="-127"/>
-              </a:rPr>
-              <a:t>ICCT</a:t>
-            </a:r>
-            <a:r>
-              <a:rPr lang="ko-KR" altLang="en-US" sz="1200" dirty="0">
-                <a:gradFill>
-                  <a:gsLst>
-                    <a:gs pos="0">
-                      <a:schemeClr val="tx1"/>
-                    </a:gs>
-                    <a:gs pos="100000">
-                      <a:schemeClr val="tx1"/>
-                    </a:gs>
-                  </a:gsLst>
-                  <a:lin ang="5400000" scaled="1"/>
-                </a:gradFill>
-                <a:ea typeface="KoPub돋움체 Medium" panose="02020603020101020101" pitchFamily="18" charset="-127"/>
-              </a:rPr>
-              <a:t>는</a:t>
-            </a:r>
-            <a:endParaRPr lang="en-US" altLang="ko-KR" sz="1200" dirty="0">
-              <a:gradFill>
-                <a:gsLst>
-                  <a:gs pos="0">
-                    <a:schemeClr val="tx1"/>
-                  </a:gs>
-                  <a:gs pos="100000">
-                    <a:schemeClr val="tx1"/>
-                  </a:gs>
-                </a:gsLst>
-                <a:lin ang="5400000" scaled="1"/>
-              </a:gradFill>
-              <a:ea typeface="KoPub돋움체 Medium" panose="02020603020101020101" pitchFamily="18" charset="-127"/>
-            </a:endParaRPr>
-          </a:p>
-          <a:p>
-            <a:pPr algn="ctr"/>
-            <a:r>
-              <a:rPr lang="ko-KR" altLang="en-US" sz="1200" dirty="0">
-                <a:gradFill>
-                  <a:gsLst>
-                    <a:gs pos="0">
-                      <a:schemeClr val="tx1"/>
-                    </a:gs>
-                    <a:gs pos="100000">
-                      <a:schemeClr val="tx1"/>
-                    </a:gs>
-                  </a:gsLst>
-                  <a:lin ang="5400000" scaled="1"/>
-                </a:gradFill>
-                <a:ea typeface="KoPub돋움체 Medium" panose="02020603020101020101" pitchFamily="18" charset="-127"/>
-              </a:rPr>
-              <a:t>매일 업로드합니다</a:t>
+              <a:t>조와 조장을 결정</a:t>
             </a:r>
             <a:r>
               <a:rPr lang="en-US" altLang="ko-KR" sz="1200" dirty="0">
@@ -9413,23 +9274,6 @@
           <a:p>
             <a:pPr algn="ctr"/>
             <a:r>
-              <a:rPr lang="ko-KR" altLang="en-US" sz="1200" dirty="0" err="1">
-                <a:gradFill>
-                  <a:gsLst>
-                    <a:gs pos="0">
-                      <a:schemeClr val="tx1"/>
-                    </a:gs>
-                    <a:gs pos="100000">
-                      <a:schemeClr val="tx1"/>
-                    </a:gs>
-                  </a:gsLst>
-                  <a:lin ang="5400000" scaled="1"/>
-                </a:gradFill>
-                <a:ea typeface="KoPub돋움체 Medium" panose="02020603020101020101" pitchFamily="18" charset="-127"/>
-              </a:rPr>
-              <a:t>팡팡이의</a:t>
-            </a:r>
-            <a:r>
               <a:rPr lang="ko-KR" altLang="en-US" sz="1200" dirty="0">
                 <a:gradFill>
                   <a:gsLst>
@@ -9444,7 +9288,7 @@
                 </a:gradFill>
                 <a:ea typeface="KoPub돋움체 Medium" panose="02020603020101020101" pitchFamily="18" charset="-127"/>
               </a:rPr>
-              <a:t> </a:t>
+              <a:t>아이디어 </a:t>
             </a:r>
             <a:r>
               <a:rPr lang="en-US" altLang="ko-KR" sz="1200" dirty="0">
@@ -9461,7 +9305,7 @@
                 </a:gradFill>
                 <a:ea typeface="KoPub돋움체 Medium" panose="02020603020101020101" pitchFamily="18" charset="-127"/>
               </a:rPr>
-              <a:t>ICCT</a:t>
+              <a:t>5</a:t>
             </a:r>
             <a:r>
               <a:rPr lang="ko-KR" altLang="en-US" sz="1200" dirty="0">
@@ -9478,7 +9322,7 @@
                 </a:gradFill>
                 <a:ea typeface="KoPub돋움체 Medium" panose="02020603020101020101" pitchFamily="18" charset="-127"/>
               </a:rPr>
-              <a:t>는</a:t>
+              <a:t>개</a:t>
             </a:r>
             <a:endParaRPr lang="en-US" altLang="ko-KR" sz="1200" dirty="0">
               <a:gradFill>
@@ -9512,25 +9356,170 @@
                 </a:gradFill>
                 <a:ea typeface="KoPub돋움체 Medium" panose="02020603020101020101" pitchFamily="18" charset="-127"/>
               </a:rPr>
-              <a:t>매일 업로드합니다</a:t>
-            </a:r>
-            <a:r>
-              <a:rPr lang="en-US" altLang="ko-KR" sz="1200" dirty="0">
-                <a:gradFill>
-                  <a:gsLst>
-                    <a:gs pos="0">
-                      <a:schemeClr val="tx1"/>
-                    </a:gs>
-                    <a:gs pos="100000">
-                      <a:schemeClr val="tx1"/>
-                    </a:gs>
-                  </a:gsLst>
-                  <a:lin ang="5400000" scaled="1"/>
-                </a:gradFill>
-                <a:ea typeface="KoPub돋움체 Medium" panose="02020603020101020101" pitchFamily="18" charset="-127"/>
-              </a:rPr>
-              <a:t>.</a:t>
-            </a:r>
+              <a:t> </a:t>
+            </a:r>
+            <a:endParaRPr lang="en-US" altLang="ko-KR" sz="1200" dirty="0">
+              <a:gradFill>
+                <a:gsLst>
+                  <a:gs pos="0">
+                    <a:schemeClr val="tx1"/>
+                  </a:gs>
+                  <a:gs pos="100000">
+                    <a:schemeClr val="tx1"/>
+                  </a:gs>
+                </a:gsLst>
+                <a:lin ang="5400000" scaled="1"/>
+              </a:gradFill>
+              <a:ea typeface="KoPub돋움체 Medium" panose="02020603020101020101" pitchFamily="18" charset="-127"/>
+            </a:endParaRPr>
+          </a:p>
+          <a:p>
+            <a:pPr marL="171450" indent="-171450" algn="ctr">
+              <a:buFontTx/>
+              <a:buChar char="-"/>
+            </a:pPr>
+            <a:r>
+              <a:rPr lang="ko-KR" altLang="en-US" sz="1200" dirty="0">
+                <a:gradFill>
+                  <a:gsLst>
+                    <a:gs pos="0">
+                      <a:schemeClr val="tx1"/>
+                    </a:gs>
+                    <a:gs pos="100000">
+                      <a:schemeClr val="tx1"/>
+                    </a:gs>
+                  </a:gsLst>
+                  <a:lin ang="5400000" scaled="1"/>
+                </a:gradFill>
+                <a:ea typeface="KoPub돋움체 Medium" panose="02020603020101020101" pitchFamily="18" charset="-127"/>
+              </a:rPr>
+              <a:t>재고관리</a:t>
+            </a:r>
+            <a:endParaRPr lang="en-US" altLang="ko-KR" sz="1200" dirty="0">
+              <a:gradFill>
+                <a:gsLst>
+                  <a:gs pos="0">
+                    <a:schemeClr val="tx1"/>
+                  </a:gs>
+                  <a:gs pos="100000">
+                    <a:schemeClr val="tx1"/>
+                  </a:gs>
+                </a:gsLst>
+                <a:lin ang="5400000" scaled="1"/>
+              </a:gradFill>
+              <a:ea typeface="KoPub돋움체 Medium" panose="02020603020101020101" pitchFamily="18" charset="-127"/>
+            </a:endParaRPr>
+          </a:p>
+          <a:p>
+            <a:pPr marL="171450" indent="-171450" algn="ctr">
+              <a:buFontTx/>
+              <a:buChar char="-"/>
+            </a:pPr>
+            <a:r>
+              <a:rPr lang="ko-KR" altLang="en-US" sz="1200" dirty="0">
+                <a:gradFill>
+                  <a:gsLst>
+                    <a:gs pos="0">
+                      <a:schemeClr val="tx1"/>
+                    </a:gs>
+                    <a:gs pos="100000">
+                      <a:schemeClr val="tx1"/>
+                    </a:gs>
+                  </a:gsLst>
+                  <a:lin ang="5400000" scaled="1"/>
+                </a:gradFill>
+                <a:ea typeface="KoPub돋움체 Medium" panose="02020603020101020101" pitchFamily="18" charset="-127"/>
+              </a:rPr>
+              <a:t>웹 사이트 도우미</a:t>
+            </a:r>
+            <a:endParaRPr lang="en-US" altLang="ko-KR" sz="1200" dirty="0">
+              <a:gradFill>
+                <a:gsLst>
+                  <a:gs pos="0">
+                    <a:schemeClr val="tx1"/>
+                  </a:gs>
+                  <a:gs pos="100000">
+                    <a:schemeClr val="tx1"/>
+                  </a:gs>
+                </a:gsLst>
+                <a:lin ang="5400000" scaled="1"/>
+              </a:gradFill>
+              <a:ea typeface="KoPub돋움체 Medium" panose="02020603020101020101" pitchFamily="18" charset="-127"/>
+            </a:endParaRPr>
+          </a:p>
+          <a:p>
+            <a:pPr marL="171450" indent="-171450" algn="ctr">
+              <a:buFontTx/>
+              <a:buChar char="-"/>
+            </a:pPr>
+            <a:r>
+              <a:rPr lang="ko-KR" altLang="en-US" sz="1200" dirty="0">
+                <a:gradFill>
+                  <a:gsLst>
+                    <a:gs pos="0">
+                      <a:schemeClr val="tx1"/>
+                    </a:gs>
+                    <a:gs pos="100000">
+                      <a:schemeClr val="tx1"/>
+                    </a:gs>
+                  </a:gsLst>
+                  <a:lin ang="5400000" scaled="1"/>
+                </a:gradFill>
+                <a:ea typeface="KoPub돋움체 Medium" panose="02020603020101020101" pitchFamily="18" charset="-127"/>
+              </a:rPr>
+              <a:t>건반 제작</a:t>
+            </a:r>
+            <a:endParaRPr lang="en-US" altLang="ko-KR" sz="1200" dirty="0">
+              <a:gradFill>
+                <a:gsLst>
+                  <a:gs pos="0">
+                    <a:schemeClr val="tx1"/>
+                  </a:gs>
+                  <a:gs pos="100000">
+                    <a:schemeClr val="tx1"/>
+                  </a:gs>
+                </a:gsLst>
+                <a:lin ang="5400000" scaled="1"/>
+              </a:gradFill>
+              <a:ea typeface="KoPub돋움체 Medium" panose="02020603020101020101" pitchFamily="18" charset="-127"/>
+            </a:endParaRPr>
+          </a:p>
+          <a:p>
+            <a:pPr marL="171450" indent="-171450" algn="ctr">
+              <a:buFontTx/>
+              <a:buChar char="-"/>
+            </a:pPr>
+            <a:r>
+              <a:rPr lang="ko-KR" altLang="en-US" sz="1200" dirty="0">
+                <a:gradFill>
+                  <a:gsLst>
+                    <a:gs pos="0">
+                      <a:schemeClr val="tx1"/>
+                    </a:gs>
+                    <a:gs pos="100000">
+                      <a:schemeClr val="tx1"/>
+                    </a:gs>
+                  </a:gsLst>
+                  <a:lin ang="5400000" scaled="1"/>
+                </a:gradFill>
+                <a:ea typeface="KoPub돋움체 Medium" panose="02020603020101020101" pitchFamily="18" charset="-127"/>
+              </a:rPr>
+              <a:t>코딩의 시각화 등</a:t>
+            </a:r>
+            <a:endParaRPr lang="en-US" altLang="ko-KR" sz="1200" dirty="0">
+              <a:gradFill>
+                <a:gsLst>
+                  <a:gs pos="0">
+                    <a:schemeClr val="tx1"/>
+                  </a:gs>
+                  <a:gs pos="100000">
+                    <a:schemeClr val="tx1"/>
+                  </a:gs>
+                </a:gsLst>
+                <a:lin ang="5400000" scaled="1"/>
+              </a:gradFill>
+              <a:ea typeface="KoPub돋움체 Medium" panose="02020603020101020101" pitchFamily="18" charset="-127"/>
+            </a:endParaRPr>
           </a:p>
         </p:txBody>
       </p:sp>
@@ -9542,8 +9531,8 @@
         </p:nvSpPr>
         <p:spPr>
           <a:xfrm>
-            <a:off x="1080183" y="4465645"/>
-            <a:ext cx="2031326" cy="276999"/>
+            <a:off x="1092351" y="4465645"/>
+            <a:ext cx="1455848" cy="276999"/>
           </a:xfrm>
           <a:prstGeom prst="rect">
             <a:avLst/>
@@ -9558,7 +9547,7 @@
           <a:p>
             <a:pPr algn="ctr"/>
             <a:r>
-              <a:rPr lang="ko-KR" altLang="en-US" sz="1200" dirty="0" err="1">
+              <a:rPr lang="en-US" altLang="ko-KR" sz="1200" dirty="0">
                 <a:gradFill>
                   <a:gsLst>
                     <a:gs pos="0">
@@ -9572,7 +9561,24 @@
                 </a:gradFill>
                 <a:ea typeface="KoPub돋움체 Bold" panose="02020603020101020101" pitchFamily="18" charset="-127"/>
               </a:rPr>
-              <a:t>한국정보문화콘텐츠기술원</a:t>
+              <a:t>1</a:t>
+            </a:r>
+            <a:r>
+              <a:rPr lang="ko-KR" altLang="en-US" sz="1200" dirty="0">
+                <a:gradFill>
+                  <a:gsLst>
+                    <a:gs pos="0">
+                      <a:schemeClr val="bg1"/>
+                    </a:gs>
+                    <a:gs pos="100000">
+                      <a:schemeClr val="bg1"/>
+                    </a:gs>
+                  </a:gsLst>
+                  <a:lin ang="5400000" scaled="1"/>
+                </a:gradFill>
+                <a:ea typeface="KoPub돋움체 Bold" panose="02020603020101020101" pitchFamily="18" charset="-127"/>
+              </a:rPr>
+              <a:t>차 아이디어 회의</a:t>
             </a:r>
             <a:endParaRPr lang="en-US" altLang="ko-KR" sz="1200" dirty="0">
               <a:gradFill>
@@ -9599,7 +9605,7 @@
         </p:nvGrpSpPr>
         <p:grpSpPr>
           <a:xfrm>
-            <a:off x="6472097" y="4454970"/>
+            <a:off x="5106763" y="4454970"/>
             <a:ext cx="1890093" cy="2028022"/>
             <a:chOff x="1150797" y="4454970"/>
             <a:chExt cx="1890093" cy="2028022"/>
@@ -9713,8 +9719,8 @@
         </p:nvSpPr>
         <p:spPr>
           <a:xfrm>
-            <a:off x="6407092" y="4830308"/>
-            <a:ext cx="2020105" cy="1569660"/>
+            <a:off x="5307855" y="4830308"/>
+            <a:ext cx="1487908" cy="1200329"/>
           </a:xfrm>
           <a:prstGeom prst="rect">
             <a:avLst/>
@@ -9729,23 +9735,6 @@
           <a:p>
             <a:pPr algn="ctr"/>
             <a:r>
-              <a:rPr lang="ko-KR" altLang="en-US" sz="1200" dirty="0" err="1">
-                <a:gradFill>
-                  <a:gsLst>
-                    <a:gs pos="0">
-                      <a:schemeClr val="tx1"/>
-                    </a:gs>
-                    <a:gs pos="100000">
-                      <a:schemeClr val="tx1"/>
-                    </a:gs>
-                  </a:gsLst>
-                  <a:lin ang="5400000" scaled="1"/>
-                </a:gradFill>
-                <a:ea typeface="KoPub돋움체 Medium" panose="02020603020101020101" pitchFamily="18" charset="-127"/>
-              </a:rPr>
-              <a:t>팡팡이의</a:t>
-            </a:r>
-            <a:r>
               <a:rPr lang="ko-KR" altLang="en-US" sz="1200" dirty="0">
                 <a:gradFill>
                   <a:gsLst>
@@ -9760,7 +9749,41 @@
                 </a:gradFill>
                 <a:ea typeface="KoPub돋움체 Medium" panose="02020603020101020101" pitchFamily="18" charset="-127"/>
               </a:rPr>
-              <a:t> 포토샵은</a:t>
+              <a:t>수업 </a:t>
+            </a:r>
+            <a:r>
+              <a:rPr lang="en-US" altLang="ko-KR" sz="1200" dirty="0">
+                <a:gradFill>
+                  <a:gsLst>
+                    <a:gs pos="0">
+                      <a:schemeClr val="tx1"/>
+                    </a:gs>
+                    <a:gs pos="100000">
+                      <a:schemeClr val="tx1"/>
+                    </a:gs>
+                  </a:gsLst>
+                  <a:lin ang="5400000" scaled="1"/>
+                </a:gradFill>
+                <a:ea typeface="KoPub돋움체 Medium" panose="02020603020101020101" pitchFamily="18" charset="-127"/>
+              </a:rPr>
+              <a:t>1</a:t>
+            </a:r>
+            <a:r>
+              <a:rPr lang="ko-KR" altLang="en-US" sz="1200" dirty="0">
+                <a:gradFill>
+                  <a:gsLst>
+                    <a:gs pos="0">
+                      <a:schemeClr val="tx1"/>
+                    </a:gs>
+                    <a:gs pos="100000">
+                      <a:schemeClr val="tx1"/>
+                    </a:gs>
+                  </a:gsLst>
+                  <a:lin ang="5400000" scaled="1"/>
+                </a:gradFill>
+                <a:ea typeface="KoPub돋움체 Medium" panose="02020603020101020101" pitchFamily="18" charset="-127"/>
+              </a:rPr>
+              <a:t>주차 금요일</a:t>
             </a:r>
             <a:endParaRPr lang="en-US" altLang="ko-KR" sz="1200" dirty="0">
               <a:gradFill>
@@ -9776,43 +9799,6 @@
               </a:gradFill>
               <a:ea typeface="KoPub돋움체 Medium" panose="02020603020101020101" pitchFamily="18" charset="-127"/>
             </a:endParaRPr>
-          </a:p>
-          <a:p>
-            <a:pPr algn="ctr"/>
-            <a:r>
-              <a:rPr lang="ko-KR" altLang="en-US" sz="1200" dirty="0">
-                <a:gradFill>
-                  <a:gsLst>
-                    <a:gs pos="0">
-                      <a:schemeClr val="tx1"/>
-                    </a:gs>
-                    <a:gs pos="100000">
-                      <a:schemeClr val="tx1"/>
-                    </a:gs>
-                  </a:gsLst>
-                  <a:lin ang="5400000" scaled="1"/>
-                </a:gradFill>
-                <a:ea typeface="KoPub돋움체 Medium" panose="02020603020101020101" pitchFamily="18" charset="-127"/>
-              </a:rPr>
-              <a:t>매주 월요일 업로드합니다</a:t>
-            </a:r>
-            <a:r>
-              <a:rPr lang="en-US" altLang="ko-KR" sz="1200" dirty="0">
-                <a:gradFill>
-                  <a:gsLst>
-                    <a:gs pos="0">
-                      <a:schemeClr val="tx1"/>
-                    </a:gs>
-                    <a:gs pos="100000">
-                      <a:schemeClr val="tx1"/>
-                    </a:gs>
-                  </a:gsLst>
-                  <a:lin ang="5400000" scaled="1"/>
-                </a:gradFill>
-                <a:ea typeface="KoPub돋움체 Medium" panose="02020603020101020101" pitchFamily="18" charset="-127"/>
-              </a:rPr>
-              <a:t>.</a:t>
-            </a:r>
           </a:p>
           <a:p>
             <a:pPr algn="ctr"/>
@@ -9834,23 +9820,6 @@
           <a:p>
             <a:pPr algn="ctr"/>
             <a:r>
-              <a:rPr lang="ko-KR" altLang="en-US" sz="1200" dirty="0" err="1">
-                <a:gradFill>
-                  <a:gsLst>
-                    <a:gs pos="0">
-                      <a:schemeClr val="tx1"/>
-                    </a:gs>
-                    <a:gs pos="100000">
-                      <a:schemeClr val="tx1"/>
-                    </a:gs>
-                  </a:gsLst>
-                  <a:lin ang="5400000" scaled="1"/>
-                </a:gradFill>
-                <a:ea typeface="KoPub돋움체 Medium" panose="02020603020101020101" pitchFamily="18" charset="-127"/>
-              </a:rPr>
-              <a:t>팡팡이의</a:t>
-            </a:r>
-            <a:r>
               <a:rPr lang="ko-KR" altLang="en-US" sz="1200" dirty="0">
                 <a:gradFill>
                   <a:gsLst>
@@ -9865,7 +9834,7 @@
                 </a:gradFill>
                 <a:ea typeface="KoPub돋움체 Medium" panose="02020603020101020101" pitchFamily="18" charset="-127"/>
               </a:rPr>
-              <a:t> 포토샵은</a:t>
+              <a:t>아이디어</a:t>
             </a:r>
             <a:endParaRPr lang="en-US" altLang="ko-KR" sz="1200" dirty="0">
               <a:gradFill>
@@ -9885,23 +9854,6 @@
           <a:p>
             <a:pPr algn="ctr"/>
             <a:r>
-              <a:rPr lang="ko-KR" altLang="en-US" sz="1200" dirty="0">
-                <a:gradFill>
-                  <a:gsLst>
-                    <a:gs pos="0">
-                      <a:schemeClr val="tx1"/>
-                    </a:gs>
-                    <a:gs pos="100000">
-                      <a:schemeClr val="tx1"/>
-                    </a:gs>
-                  </a:gsLst>
-                  <a:lin ang="5400000" scaled="1"/>
-                </a:gradFill>
-                <a:ea typeface="KoPub돋움체 Medium" panose="02020603020101020101" pitchFamily="18" charset="-127"/>
-              </a:rPr>
-              <a:t>매주 월요일 업로드합니다</a:t>
-            </a:r>
-            <a:r>
               <a:rPr lang="en-US" altLang="ko-KR" sz="1200" dirty="0">
                 <a:gradFill>
                   <a:gsLst>
@@ -9916,11 +9868,25 @@
                 </a:gradFill>
                 <a:ea typeface="KoPub돋움체 Medium" panose="02020603020101020101" pitchFamily="18" charset="-127"/>
               </a:rPr>
-              <a:t>.</a:t>
-            </a:r>
-          </a:p>
-          <a:p>
-            <a:pPr algn="ctr"/>
+              <a:t>-</a:t>
+            </a:r>
+            <a:r>
+              <a:rPr lang="ko-KR" altLang="en-US" sz="1200" dirty="0" err="1">
+                <a:gradFill>
+                  <a:gsLst>
+                    <a:gs pos="0">
+                      <a:schemeClr val="tx1"/>
+                    </a:gs>
+                    <a:gs pos="100000">
+                      <a:schemeClr val="tx1"/>
+                    </a:gs>
+                  </a:gsLst>
+                  <a:lin ang="5400000" scaled="1"/>
+                </a:gradFill>
+                <a:ea typeface="KoPub돋움체 Medium" panose="02020603020101020101" pitchFamily="18" charset="-127"/>
+              </a:rPr>
+              <a:t>키위봇</a:t>
+            </a:r>
             <a:endParaRPr lang="en-US" altLang="ko-KR" sz="1200" dirty="0">
               <a:gradFill>
                 <a:gsLst>
@@ -9939,21 +9905,21 @@
           <a:p>
             <a:pPr algn="ctr"/>
             <a:r>
-              <a:rPr lang="ko-KR" altLang="en-US" sz="1200" dirty="0" err="1">
-                <a:gradFill>
-                  <a:gsLst>
-                    <a:gs pos="0">
-                      <a:schemeClr val="tx1"/>
-                    </a:gs>
-                    <a:gs pos="100000">
-                      <a:schemeClr val="tx1"/>
-                    </a:gs>
-                  </a:gsLst>
-                  <a:lin ang="5400000" scaled="1"/>
-                </a:gradFill>
-                <a:ea typeface="KoPub돋움체 Medium" panose="02020603020101020101" pitchFamily="18" charset="-127"/>
-              </a:rPr>
-              <a:t>팡팡이의</a:t>
+              <a:rPr lang="en-US" altLang="ko-KR" sz="1200" dirty="0">
+                <a:gradFill>
+                  <a:gsLst>
+                    <a:gs pos="0">
+                      <a:schemeClr val="tx1"/>
+                    </a:gs>
+                    <a:gs pos="100000">
+                      <a:schemeClr val="tx1"/>
+                    </a:gs>
+                  </a:gsLst>
+                  <a:lin ang="5400000" scaled="1"/>
+                </a:gradFill>
+                <a:ea typeface="KoPub돋움체 Medium" panose="02020603020101020101" pitchFamily="18" charset="-127"/>
+              </a:rPr>
+              <a:t>-</a:t>
             </a:r>
             <a:r>
               <a:rPr lang="ko-KR" altLang="en-US" sz="1200" dirty="0">
@@ -9970,7 +9936,44 @@
                 </a:gradFill>
                 <a:ea typeface="KoPub돋움체 Medium" panose="02020603020101020101" pitchFamily="18" charset="-127"/>
               </a:rPr>
-              <a:t> 포토샵은</a:t>
+              <a:t>점자표현</a:t>
+            </a:r>
+            <a:r>
+              <a:rPr lang="en-US" altLang="ko-KR" sz="1200" dirty="0">
+                <a:gradFill>
+                  <a:gsLst>
+                    <a:gs pos="0">
+                      <a:schemeClr val="tx1"/>
+                    </a:gs>
+                    <a:gs pos="100000">
+                      <a:schemeClr val="tx1"/>
+                    </a:gs>
+                  </a:gsLst>
+                  <a:lin ang="5400000" scaled="1"/>
+                </a:gradFill>
+                <a:ea typeface="KoPub돋움체 Medium" panose="02020603020101020101" pitchFamily="18" charset="-127"/>
+              </a:rPr>
+              <a:t>(NEW)</a:t>
+            </a:r>
+          </a:p>
+          <a:p>
+            <a:pPr algn="ctr"/>
+            <a:r>
+              <a:rPr lang="ko-KR" altLang="en-US" sz="1200" dirty="0">
+                <a:gradFill>
+                  <a:gsLst>
+                    <a:gs pos="0">
+                      <a:schemeClr val="tx1"/>
+                    </a:gs>
+                    <a:gs pos="100000">
+                      <a:schemeClr val="tx1"/>
+                    </a:gs>
+                  </a:gsLst>
+                  <a:lin ang="5400000" scaled="1"/>
+                </a:gradFill>
+                <a:ea typeface="KoPub돋움체 Medium" panose="02020603020101020101" pitchFamily="18" charset="-127"/>
+              </a:rPr>
+              <a:t> </a:t>
             </a:r>
             <a:endParaRPr lang="en-US" altLang="ko-KR" sz="1200" dirty="0">
               <a:gradFill>
@@ -9987,43 +9990,6 @@
               <a:ea typeface="KoPub돋움체 Medium" panose="02020603020101020101" pitchFamily="18" charset="-127"/>
             </a:endParaRPr>
           </a:p>
-          <a:p>
-            <a:pPr algn="ctr"/>
-            <a:r>
-              <a:rPr lang="ko-KR" altLang="en-US" sz="1200" dirty="0">
-                <a:gradFill>
-                  <a:gsLst>
-                    <a:gs pos="0">
-                      <a:schemeClr val="tx1"/>
-                    </a:gs>
-                    <a:gs pos="100000">
-                      <a:schemeClr val="tx1"/>
-                    </a:gs>
-                  </a:gsLst>
-                  <a:lin ang="5400000" scaled="1"/>
-                </a:gradFill>
-                <a:ea typeface="KoPub돋움체 Medium" panose="02020603020101020101" pitchFamily="18" charset="-127"/>
-              </a:rPr>
-              <a:t>매주 월요일 업로드합니다</a:t>
-            </a:r>
-            <a:r>
-              <a:rPr lang="en-US" altLang="ko-KR" sz="1200" dirty="0">
-                <a:gradFill>
-                  <a:gsLst>
-                    <a:gs pos="0">
-                      <a:schemeClr val="tx1"/>
-                    </a:gs>
-                    <a:gs pos="100000">
-                      <a:schemeClr val="tx1"/>
-                    </a:gs>
-                  </a:gsLst>
-                  <a:lin ang="5400000" scaled="1"/>
-                </a:gradFill>
-                <a:ea typeface="KoPub돋움체 Medium" panose="02020603020101020101" pitchFamily="18" charset="-127"/>
-              </a:rPr>
-              <a:t>.</a:t>
-            </a:r>
-          </a:p>
         </p:txBody>
       </p:sp>
       <p:sp>
@@ -10034,8 +10000,8 @@
         </p:nvSpPr>
         <p:spPr>
           <a:xfrm>
-            <a:off x="6401483" y="4465645"/>
-            <a:ext cx="2031326" cy="276999"/>
+            <a:off x="5323887" y="4465645"/>
+            <a:ext cx="1455848" cy="276999"/>
           </a:xfrm>
           <a:prstGeom prst="rect">
             <a:avLst/>
@@ -10050,7 +10016,7 @@
           <a:p>
             <a:pPr algn="ctr"/>
             <a:r>
-              <a:rPr lang="ko-KR" altLang="en-US" sz="1200">
+              <a:rPr lang="en-US" altLang="ko-KR" sz="1200" dirty="0">
                 <a:gradFill>
                   <a:gsLst>
                     <a:gs pos="0">
@@ -10064,7 +10030,24 @@
                 </a:gradFill>
                 <a:ea typeface="KoPub돋움체 Bold" panose="02020603020101020101" pitchFamily="18" charset="-127"/>
               </a:rPr>
-              <a:t>한국정보문화콘텐츠기술원</a:t>
+              <a:t>3</a:t>
+            </a:r>
+            <a:r>
+              <a:rPr lang="ko-KR" altLang="en-US" sz="1200" dirty="0">
+                <a:gradFill>
+                  <a:gsLst>
+                    <a:gs pos="0">
+                      <a:schemeClr val="bg1"/>
+                    </a:gs>
+                    <a:gs pos="100000">
+                      <a:schemeClr val="bg1"/>
+                    </a:gs>
+                  </a:gsLst>
+                  <a:lin ang="5400000" scaled="1"/>
+                </a:gradFill>
+                <a:ea typeface="KoPub돋움체 Bold" panose="02020603020101020101" pitchFamily="18" charset="-127"/>
+              </a:rPr>
+              <a:t>차 아이디어 회의</a:t>
             </a:r>
             <a:endParaRPr lang="en-US" altLang="ko-KR" sz="1200" dirty="0">
               <a:gradFill>
@@ -10091,7 +10074,7 @@
         </p:nvSpPr>
         <p:spPr>
           <a:xfrm>
-            <a:off x="3819870" y="2790546"/>
+            <a:off x="2830316" y="2790546"/>
             <a:ext cx="1890093" cy="287676"/>
           </a:xfrm>
           <a:prstGeom prst="rect">
@@ -10142,7 +10125,7 @@
         </p:nvSpPr>
         <p:spPr>
           <a:xfrm>
-            <a:off x="3819870" y="1054211"/>
+            <a:off x="2830316" y="1054211"/>
             <a:ext cx="1890093" cy="1740347"/>
           </a:xfrm>
           <a:prstGeom prst="rect">
@@ -10190,8 +10173,8 @@
         </p:nvSpPr>
         <p:spPr>
           <a:xfrm>
-            <a:off x="3754863" y="1141874"/>
-            <a:ext cx="2020105" cy="1754326"/>
+            <a:off x="3047435" y="1141874"/>
+            <a:ext cx="1455848" cy="1200329"/>
           </a:xfrm>
           <a:prstGeom prst="rect">
             <a:avLst/>
@@ -10206,23 +10189,6 @@
           <a:p>
             <a:pPr algn="ctr"/>
             <a:r>
-              <a:rPr lang="ko-KR" altLang="en-US" sz="1200" dirty="0" err="1">
-                <a:gradFill>
-                  <a:gsLst>
-                    <a:gs pos="0">
-                      <a:schemeClr val="tx1"/>
-                    </a:gs>
-                    <a:gs pos="100000">
-                      <a:schemeClr val="tx1"/>
-                    </a:gs>
-                  </a:gsLst>
-                  <a:lin ang="5400000" scaled="1"/>
-                </a:gradFill>
-                <a:ea typeface="KoPub돋움체 Medium" panose="02020603020101020101" pitchFamily="18" charset="-127"/>
-              </a:rPr>
-              <a:t>팡팡이의</a:t>
-            </a:r>
-            <a:r>
               <a:rPr lang="ko-KR" altLang="en-US" sz="1200" dirty="0">
                 <a:gradFill>
                   <a:gsLst>
@@ -10237,7 +10203,7 @@
                 </a:gradFill>
                 <a:ea typeface="KoPub돋움체 Medium" panose="02020603020101020101" pitchFamily="18" charset="-127"/>
               </a:rPr>
-              <a:t> </a:t>
+              <a:t>수업 </a:t>
             </a:r>
             <a:r>
               <a:rPr lang="en-US" altLang="ko-KR" sz="1200" dirty="0">
@@ -10254,7 +10220,7 @@
                 </a:gradFill>
                 <a:ea typeface="KoPub돋움체 Medium" panose="02020603020101020101" pitchFamily="18" charset="-127"/>
               </a:rPr>
-              <a:t>PPT</a:t>
+              <a:t>1</a:t>
             </a:r>
             <a:r>
               <a:rPr lang="ko-KR" altLang="en-US" sz="1200" dirty="0">
@@ -10271,7 +10237,7 @@
                 </a:gradFill>
                 <a:ea typeface="KoPub돋움체 Medium" panose="02020603020101020101" pitchFamily="18" charset="-127"/>
               </a:rPr>
-              <a:t>는</a:t>
+              <a:t>주차 수요일</a:t>
             </a:r>
             <a:endParaRPr lang="en-US" altLang="ko-KR" sz="1200" dirty="0">
               <a:gradFill>
@@ -10287,43 +10253,6 @@
               </a:gradFill>
               <a:ea typeface="KoPub돋움체 Medium" panose="02020603020101020101" pitchFamily="18" charset="-127"/>
             </a:endParaRPr>
-          </a:p>
-          <a:p>
-            <a:pPr algn="ctr"/>
-            <a:r>
-              <a:rPr lang="ko-KR" altLang="en-US" sz="1200" dirty="0">
-                <a:gradFill>
-                  <a:gsLst>
-                    <a:gs pos="0">
-                      <a:schemeClr val="tx1"/>
-                    </a:gs>
-                    <a:gs pos="100000">
-                      <a:schemeClr val="tx1"/>
-                    </a:gs>
-                  </a:gsLst>
-                  <a:lin ang="5400000" scaled="1"/>
-                </a:gradFill>
-                <a:ea typeface="KoPub돋움체 Medium" panose="02020603020101020101" pitchFamily="18" charset="-127"/>
-              </a:rPr>
-              <a:t>매주 수요일 업로드합니다</a:t>
-            </a:r>
-            <a:r>
-              <a:rPr lang="en-US" altLang="ko-KR" sz="1200" dirty="0">
-                <a:gradFill>
-                  <a:gsLst>
-                    <a:gs pos="0">
-                      <a:schemeClr val="tx1"/>
-                    </a:gs>
-                    <a:gs pos="100000">
-                      <a:schemeClr val="tx1"/>
-                    </a:gs>
-                  </a:gsLst>
-                  <a:lin ang="5400000" scaled="1"/>
-                </a:gradFill>
-                <a:ea typeface="KoPub돋움체 Medium" panose="02020603020101020101" pitchFamily="18" charset="-127"/>
-              </a:rPr>
-              <a:t>.</a:t>
-            </a:r>
           </a:p>
           <a:p>
             <a:pPr algn="ctr"/>
@@ -10345,23 +10274,6 @@
           <a:p>
             <a:pPr algn="ctr"/>
             <a:r>
-              <a:rPr lang="ko-KR" altLang="en-US" sz="1200" dirty="0" err="1">
-                <a:gradFill>
-                  <a:gsLst>
-                    <a:gs pos="0">
-                      <a:schemeClr val="tx1"/>
-                    </a:gs>
-                    <a:gs pos="100000">
-                      <a:schemeClr val="tx1"/>
-                    </a:gs>
-                  </a:gsLst>
-                  <a:lin ang="5400000" scaled="1"/>
-                </a:gradFill>
-                <a:ea typeface="KoPub돋움체 Medium" panose="02020603020101020101" pitchFamily="18" charset="-127"/>
-              </a:rPr>
-              <a:t>팡팡이의</a:t>
-            </a:r>
-            <a:r>
               <a:rPr lang="ko-KR" altLang="en-US" sz="1200" dirty="0">
                 <a:gradFill>
                   <a:gsLst>
@@ -10376,41 +10288,7 @@
                 </a:gradFill>
                 <a:ea typeface="KoPub돋움체 Medium" panose="02020603020101020101" pitchFamily="18" charset="-127"/>
               </a:rPr>
-              <a:t> </a:t>
-            </a:r>
-            <a:r>
-              <a:rPr lang="en-US" altLang="ko-KR" sz="1200" dirty="0">
-                <a:gradFill>
-                  <a:gsLst>
-                    <a:gs pos="0">
-                      <a:schemeClr val="tx1"/>
-                    </a:gs>
-                    <a:gs pos="100000">
-                      <a:schemeClr val="tx1"/>
-                    </a:gs>
-                  </a:gsLst>
-                  <a:lin ang="5400000" scaled="1"/>
-                </a:gradFill>
-                <a:ea typeface="KoPub돋움체 Medium" panose="02020603020101020101" pitchFamily="18" charset="-127"/>
-              </a:rPr>
-              <a:t>PPT</a:t>
-            </a:r>
-            <a:r>
-              <a:rPr lang="ko-KR" altLang="en-US" sz="1200" dirty="0">
-                <a:gradFill>
-                  <a:gsLst>
-                    <a:gs pos="0">
-                      <a:schemeClr val="tx1"/>
-                    </a:gs>
-                    <a:gs pos="100000">
-                      <a:schemeClr val="tx1"/>
-                    </a:gs>
-                  </a:gsLst>
-                  <a:lin ang="5400000" scaled="1"/>
-                </a:gradFill>
-                <a:ea typeface="KoPub돋움체 Medium" panose="02020603020101020101" pitchFamily="18" charset="-127"/>
-              </a:rPr>
-              <a:t>는</a:t>
+              <a:t>아이디어 검토</a:t>
             </a:r>
             <a:endParaRPr lang="en-US" altLang="ko-KR" sz="1200" dirty="0">
               <a:gradFill>
@@ -10426,43 +10304,6 @@
               </a:gradFill>
               <a:ea typeface="KoPub돋움체 Medium" panose="02020603020101020101" pitchFamily="18" charset="-127"/>
             </a:endParaRPr>
-          </a:p>
-          <a:p>
-            <a:pPr algn="ctr"/>
-            <a:r>
-              <a:rPr lang="ko-KR" altLang="en-US" sz="1200" dirty="0">
-                <a:gradFill>
-                  <a:gsLst>
-                    <a:gs pos="0">
-                      <a:schemeClr val="tx1"/>
-                    </a:gs>
-                    <a:gs pos="100000">
-                      <a:schemeClr val="tx1"/>
-                    </a:gs>
-                  </a:gsLst>
-                  <a:lin ang="5400000" scaled="1"/>
-                </a:gradFill>
-                <a:ea typeface="KoPub돋움체 Medium" panose="02020603020101020101" pitchFamily="18" charset="-127"/>
-              </a:rPr>
-              <a:t>매주 수요일 업로드합니다</a:t>
-            </a:r>
-            <a:r>
-              <a:rPr lang="en-US" altLang="ko-KR" sz="1200" dirty="0">
-                <a:gradFill>
-                  <a:gsLst>
-                    <a:gs pos="0">
-                      <a:schemeClr val="tx1"/>
-                    </a:gs>
-                    <a:gs pos="100000">
-                      <a:schemeClr val="tx1"/>
-                    </a:gs>
-                  </a:gsLst>
-                  <a:lin ang="5400000" scaled="1"/>
-                </a:gradFill>
-                <a:ea typeface="KoPub돋움체 Medium" panose="02020603020101020101" pitchFamily="18" charset="-127"/>
-              </a:rPr>
-              <a:t>.</a:t>
-            </a:r>
           </a:p>
           <a:p>
             <a:pPr algn="ctr"/>
@@ -10484,21 +10325,21 @@
           <a:p>
             <a:pPr algn="ctr"/>
             <a:r>
-              <a:rPr lang="ko-KR" altLang="en-US" sz="1200" dirty="0" err="1">
-                <a:gradFill>
-                  <a:gsLst>
-                    <a:gs pos="0">
-                      <a:schemeClr val="tx1"/>
-                    </a:gs>
-                    <a:gs pos="100000">
-                      <a:schemeClr val="tx1"/>
-                    </a:gs>
-                  </a:gsLst>
-                  <a:lin ang="5400000" scaled="1"/>
-                </a:gradFill>
-                <a:ea typeface="KoPub돋움체 Medium" panose="02020603020101020101" pitchFamily="18" charset="-127"/>
-              </a:rPr>
-              <a:t>팡팡이의</a:t>
+              <a:rPr lang="en-US" altLang="ko-KR" sz="1200" dirty="0">
+                <a:gradFill>
+                  <a:gsLst>
+                    <a:gs pos="0">
+                      <a:schemeClr val="tx1"/>
+                    </a:gs>
+                    <a:gs pos="100000">
+                      <a:schemeClr val="tx1"/>
+                    </a:gs>
+                  </a:gsLst>
+                  <a:lin ang="5400000" scaled="1"/>
+                </a:gradFill>
+                <a:ea typeface="KoPub돋움체 Medium" panose="02020603020101020101" pitchFamily="18" charset="-127"/>
+              </a:rPr>
+              <a:t>NEW </a:t>
             </a:r>
             <a:r>
               <a:rPr lang="ko-KR" altLang="en-US" sz="1200" dirty="0">
@@ -10515,41 +10356,7 @@
                 </a:gradFill>
                 <a:ea typeface="KoPub돋움체 Medium" panose="02020603020101020101" pitchFamily="18" charset="-127"/>
               </a:rPr>
-              <a:t> </a:t>
-            </a:r>
-            <a:r>
-              <a:rPr lang="en-US" altLang="ko-KR" sz="1200" dirty="0">
-                <a:gradFill>
-                  <a:gsLst>
-                    <a:gs pos="0">
-                      <a:schemeClr val="tx1"/>
-                    </a:gs>
-                    <a:gs pos="100000">
-                      <a:schemeClr val="tx1"/>
-                    </a:gs>
-                  </a:gsLst>
-                  <a:lin ang="5400000" scaled="1"/>
-                </a:gradFill>
-                <a:ea typeface="KoPub돋움체 Medium" panose="02020603020101020101" pitchFamily="18" charset="-127"/>
-              </a:rPr>
-              <a:t>PPT</a:t>
-            </a:r>
-            <a:r>
-              <a:rPr lang="ko-KR" altLang="en-US" sz="1200" dirty="0">
-                <a:gradFill>
-                  <a:gsLst>
-                    <a:gs pos="0">
-                      <a:schemeClr val="tx1"/>
-                    </a:gs>
-                    <a:gs pos="100000">
-                      <a:schemeClr val="tx1"/>
-                    </a:gs>
-                  </a:gsLst>
-                  <a:lin ang="5400000" scaled="1"/>
-                </a:gradFill>
-                <a:ea typeface="KoPub돋움체 Medium" panose="02020603020101020101" pitchFamily="18" charset="-127"/>
-              </a:rPr>
-              <a:t>는</a:t>
+              <a:t>아이디어</a:t>
             </a:r>
             <a:endParaRPr lang="en-US" altLang="ko-KR" sz="1200" dirty="0">
               <a:gradFill>
@@ -10569,23 +10376,6 @@
           <a:p>
             <a:pPr algn="ctr"/>
             <a:r>
-              <a:rPr lang="ko-KR" altLang="en-US" sz="1200" dirty="0">
-                <a:gradFill>
-                  <a:gsLst>
-                    <a:gs pos="0">
-                      <a:schemeClr val="tx1"/>
-                    </a:gs>
-                    <a:gs pos="100000">
-                      <a:schemeClr val="tx1"/>
-                    </a:gs>
-                  </a:gsLst>
-                  <a:lin ang="5400000" scaled="1"/>
-                </a:gradFill>
-                <a:ea typeface="KoPub돋움체 Medium" panose="02020603020101020101" pitchFamily="18" charset="-127"/>
-              </a:rPr>
-              <a:t>매주 수요일 업로드합니다</a:t>
-            </a:r>
-            <a:r>
               <a:rPr lang="en-US" altLang="ko-KR" sz="1200" dirty="0">
                 <a:gradFill>
                   <a:gsLst>
@@ -10600,11 +10390,25 @@
                 </a:gradFill>
                 <a:ea typeface="KoPub돋움체 Medium" panose="02020603020101020101" pitchFamily="18" charset="-127"/>
               </a:rPr>
-              <a:t>.</a:t>
-            </a:r>
-          </a:p>
-          <a:p>
-            <a:pPr algn="ctr"/>
+              <a:t>-</a:t>
+            </a:r>
+            <a:r>
+              <a:rPr lang="ko-KR" altLang="en-US" sz="1200" dirty="0" err="1">
+                <a:gradFill>
+                  <a:gsLst>
+                    <a:gs pos="0">
+                      <a:schemeClr val="tx1"/>
+                    </a:gs>
+                    <a:gs pos="100000">
+                      <a:schemeClr val="tx1"/>
+                    </a:gs>
+                  </a:gsLst>
+                  <a:lin ang="5400000" scaled="1"/>
+                </a:gradFill>
+                <a:ea typeface="KoPub돋움체 Medium" panose="02020603020101020101" pitchFamily="18" charset="-127"/>
+              </a:rPr>
+              <a:t>키위봇</a:t>
+            </a:r>
             <a:endParaRPr lang="en-US" altLang="ko-KR" sz="1200" dirty="0">
               <a:gradFill>
                 <a:gsLst>
@@ -10630,8 +10434,8 @@
         </p:nvSpPr>
         <p:spPr>
           <a:xfrm>
-            <a:off x="3749256" y="2801223"/>
-            <a:ext cx="2031326" cy="276999"/>
+            <a:off x="3047440" y="2801223"/>
+            <a:ext cx="1455848" cy="276999"/>
           </a:xfrm>
           <a:prstGeom prst="rect">
             <a:avLst/>
@@ -10646,7 +10450,7 @@
           <a:p>
             <a:pPr algn="ctr"/>
             <a:r>
-              <a:rPr lang="ko-KR" altLang="en-US" sz="1200" dirty="0" err="1">
+              <a:rPr lang="en-US" altLang="ko-KR" sz="1200" dirty="0">
                 <a:gradFill>
                   <a:gsLst>
                     <a:gs pos="0">
@@ -10660,7 +10464,24 @@
                 </a:gradFill>
                 <a:ea typeface="KoPub돋움체 Bold" panose="02020603020101020101" pitchFamily="18" charset="-127"/>
               </a:rPr>
-              <a:t>한국정보문화콘텐츠기술원</a:t>
+              <a:t>2</a:t>
+            </a:r>
+            <a:r>
+              <a:rPr lang="ko-KR" altLang="en-US" sz="1200" dirty="0">
+                <a:gradFill>
+                  <a:gsLst>
+                    <a:gs pos="0">
+                      <a:schemeClr val="bg1"/>
+                    </a:gs>
+                    <a:gs pos="100000">
+                      <a:schemeClr val="bg1"/>
+                    </a:gs>
+                  </a:gsLst>
+                  <a:lin ang="5400000" scaled="1"/>
+                </a:gradFill>
+                <a:ea typeface="KoPub돋움체 Bold" panose="02020603020101020101" pitchFamily="18" charset="-127"/>
+              </a:rPr>
+              <a:t>차 아이디어 회의</a:t>
             </a:r>
             <a:endParaRPr lang="en-US" altLang="ko-KR" sz="1200" dirty="0">
               <a:gradFill>
@@ -10687,7 +10508,7 @@
         </p:nvGrpSpPr>
         <p:grpSpPr>
           <a:xfrm>
-            <a:off x="9121240" y="1054211"/>
+            <a:off x="7179710" y="1054211"/>
             <a:ext cx="1890093" cy="2024011"/>
             <a:chOff x="3789048" y="776813"/>
             <a:chExt cx="1890093" cy="2024011"/>
@@ -10801,8 +10622,8 @@
         </p:nvSpPr>
         <p:spPr>
           <a:xfrm>
-            <a:off x="8952041" y="1141874"/>
-            <a:ext cx="2228495" cy="1754326"/>
+            <a:off x="7100279" y="1141874"/>
+            <a:ext cx="2048959" cy="1754326"/>
           </a:xfrm>
           <a:prstGeom prst="rect">
             <a:avLst/>
@@ -10817,23 +10638,6 @@
           <a:p>
             <a:pPr algn="ctr"/>
             <a:r>
-              <a:rPr lang="ko-KR" altLang="en-US" sz="1200" dirty="0" err="1">
-                <a:gradFill>
-                  <a:gsLst>
-                    <a:gs pos="0">
-                      <a:schemeClr val="tx1"/>
-                    </a:gs>
-                    <a:gs pos="100000">
-                      <a:schemeClr val="tx1"/>
-                    </a:gs>
-                  </a:gsLst>
-                  <a:lin ang="5400000" scaled="1"/>
-                </a:gradFill>
-                <a:ea typeface="KoPub돋움체 Medium" panose="02020603020101020101" pitchFamily="18" charset="-127"/>
-              </a:rPr>
-              <a:t>팡팡이의</a:t>
-            </a:r>
-            <a:r>
               <a:rPr lang="ko-KR" altLang="en-US" sz="1200" dirty="0">
                 <a:gradFill>
                   <a:gsLst>
@@ -10848,7 +10652,41 @@
                 </a:gradFill>
                 <a:ea typeface="KoPub돋움체 Medium" panose="02020603020101020101" pitchFamily="18" charset="-127"/>
               </a:rPr>
-              <a:t> 부산취재는</a:t>
+              <a:t>수업 </a:t>
+            </a:r>
+            <a:r>
+              <a:rPr lang="en-US" altLang="ko-KR" sz="1200" dirty="0">
+                <a:gradFill>
+                  <a:gsLst>
+                    <a:gs pos="0">
+                      <a:schemeClr val="tx1"/>
+                    </a:gs>
+                    <a:gs pos="100000">
+                      <a:schemeClr val="tx1"/>
+                    </a:gs>
+                  </a:gsLst>
+                  <a:lin ang="5400000" scaled="1"/>
+                </a:gradFill>
+                <a:ea typeface="KoPub돋움체 Medium" panose="02020603020101020101" pitchFamily="18" charset="-127"/>
+              </a:rPr>
+              <a:t>1</a:t>
+            </a:r>
+            <a:r>
+              <a:rPr lang="ko-KR" altLang="en-US" sz="1200" dirty="0">
+                <a:gradFill>
+                  <a:gsLst>
+                    <a:gs pos="0">
+                      <a:schemeClr val="tx1"/>
+                    </a:gs>
+                    <a:gs pos="100000">
+                      <a:schemeClr val="tx1"/>
+                    </a:gs>
+                  </a:gsLst>
+                  <a:lin ang="5400000" scaled="1"/>
+                </a:gradFill>
+                <a:ea typeface="KoPub돋움체 Medium" panose="02020603020101020101" pitchFamily="18" charset="-127"/>
+              </a:rPr>
+              <a:t>주차 토요일</a:t>
             </a:r>
             <a:endParaRPr lang="en-US" altLang="ko-KR" sz="1200" dirty="0">
               <a:gradFill>
@@ -10864,43 +10702,6 @@
               </a:gradFill>
               <a:ea typeface="KoPub돋움체 Medium" panose="02020603020101020101" pitchFamily="18" charset="-127"/>
             </a:endParaRPr>
-          </a:p>
-          <a:p>
-            <a:pPr algn="ctr"/>
-            <a:r>
-              <a:rPr lang="ko-KR" altLang="en-US" sz="1200" dirty="0">
-                <a:gradFill>
-                  <a:gsLst>
-                    <a:gs pos="0">
-                      <a:schemeClr val="tx1"/>
-                    </a:gs>
-                    <a:gs pos="100000">
-                      <a:schemeClr val="tx1"/>
-                    </a:gs>
-                  </a:gsLst>
-                  <a:lin ang="5400000" scaled="1"/>
-                </a:gradFill>
-                <a:ea typeface="KoPub돋움체 Medium" panose="02020603020101020101" pitchFamily="18" charset="-127"/>
-              </a:rPr>
-              <a:t>축제가 있을 때 업로드합니다</a:t>
-            </a:r>
-            <a:r>
-              <a:rPr lang="en-US" altLang="ko-KR" sz="1200" dirty="0">
-                <a:gradFill>
-                  <a:gsLst>
-                    <a:gs pos="0">
-                      <a:schemeClr val="tx1"/>
-                    </a:gs>
-                    <a:gs pos="100000">
-                      <a:schemeClr val="tx1"/>
-                    </a:gs>
-                  </a:gsLst>
-                  <a:lin ang="5400000" scaled="1"/>
-                </a:gradFill>
-                <a:ea typeface="KoPub돋움체 Medium" panose="02020603020101020101" pitchFamily="18" charset="-127"/>
-              </a:rPr>
-              <a:t>.</a:t>
-            </a:r>
           </a:p>
           <a:p>
             <a:pPr algn="ctr"/>
@@ -10922,23 +10723,6 @@
           <a:p>
             <a:pPr algn="ctr"/>
             <a:r>
-              <a:rPr lang="ko-KR" altLang="en-US" sz="1200" dirty="0" err="1">
-                <a:gradFill>
-                  <a:gsLst>
-                    <a:gs pos="0">
-                      <a:schemeClr val="tx1"/>
-                    </a:gs>
-                    <a:gs pos="100000">
-                      <a:schemeClr val="tx1"/>
-                    </a:gs>
-                  </a:gsLst>
-                  <a:lin ang="5400000" scaled="1"/>
-                </a:gradFill>
-                <a:ea typeface="KoPub돋움체 Medium" panose="02020603020101020101" pitchFamily="18" charset="-127"/>
-              </a:rPr>
-              <a:t>팡팡이의</a:t>
-            </a:r>
-            <a:r>
               <a:rPr lang="ko-KR" altLang="en-US" sz="1200" dirty="0">
                 <a:gradFill>
                   <a:gsLst>
@@ -10953,7 +10737,7 @@
                 </a:gradFill>
                 <a:ea typeface="KoPub돋움체 Medium" panose="02020603020101020101" pitchFamily="18" charset="-127"/>
               </a:rPr>
-              <a:t> 부산취재는</a:t>
+              <a:t>아이디어 결정</a:t>
             </a:r>
             <a:endParaRPr lang="en-US" altLang="ko-KR" sz="1200" dirty="0">
               <a:gradFill>
@@ -10973,6 +10757,74 @@
           <a:p>
             <a:pPr algn="ctr"/>
             <a:r>
+              <a:rPr lang="en-US" altLang="ko-KR" sz="1200" dirty="0">
+                <a:gradFill>
+                  <a:gsLst>
+                    <a:gs pos="0">
+                      <a:schemeClr val="tx1"/>
+                    </a:gs>
+                    <a:gs pos="100000">
+                      <a:schemeClr val="tx1"/>
+                    </a:gs>
+                  </a:gsLst>
+                  <a:lin ang="5400000" scaled="1"/>
+                </a:gradFill>
+                <a:ea typeface="KoPub돋움체 Medium" panose="02020603020101020101" pitchFamily="18" charset="-127"/>
+              </a:rPr>
+              <a:t>-</a:t>
+            </a:r>
+            <a:r>
+              <a:rPr lang="ko-KR" altLang="en-US" sz="1200" dirty="0" err="1">
+                <a:gradFill>
+                  <a:gsLst>
+                    <a:gs pos="0">
+                      <a:schemeClr val="tx1"/>
+                    </a:gs>
+                    <a:gs pos="100000">
+                      <a:schemeClr val="tx1"/>
+                    </a:gs>
+                  </a:gsLst>
+                  <a:lin ang="5400000" scaled="1"/>
+                </a:gradFill>
+                <a:ea typeface="KoPub돋움체 Medium" panose="02020603020101020101" pitchFamily="18" charset="-127"/>
+              </a:rPr>
+              <a:t>키위봇</a:t>
+            </a:r>
+            <a:endParaRPr lang="en-US" altLang="ko-KR" sz="1200" dirty="0">
+              <a:gradFill>
+                <a:gsLst>
+                  <a:gs pos="0">
+                    <a:schemeClr val="tx1"/>
+                  </a:gs>
+                  <a:gs pos="100000">
+                    <a:schemeClr val="tx1"/>
+                  </a:gs>
+                </a:gsLst>
+                <a:lin ang="5400000" scaled="1"/>
+              </a:gradFill>
+              <a:ea typeface="KoPub돋움체 Medium" panose="02020603020101020101" pitchFamily="18" charset="-127"/>
+            </a:endParaRPr>
+          </a:p>
+          <a:p>
+            <a:pPr algn="ctr"/>
+            <a:r>
+              <a:rPr lang="en-US" altLang="ko-KR" sz="1200" dirty="0">
+                <a:gradFill>
+                  <a:gsLst>
+                    <a:gs pos="0">
+                      <a:schemeClr val="tx1"/>
+                    </a:gs>
+                    <a:gs pos="100000">
+                      <a:schemeClr val="tx1"/>
+                    </a:gs>
+                  </a:gsLst>
+                  <a:lin ang="5400000" scaled="1"/>
+                </a:gradFill>
+                <a:ea typeface="KoPub돋움체 Medium" panose="02020603020101020101" pitchFamily="18" charset="-127"/>
+              </a:rPr>
+              <a:t>-</a:t>
+            </a:r>
+            <a:r>
               <a:rPr lang="ko-KR" altLang="en-US" sz="1200" dirty="0">
                 <a:gradFill>
                   <a:gsLst>
@@ -10987,8 +10839,25 @@
                 </a:gradFill>
                 <a:ea typeface="KoPub돋움체 Medium" panose="02020603020101020101" pitchFamily="18" charset="-127"/>
               </a:rPr>
-              <a:t>축제가 있을 때 업로드합니다</a:t>
-            </a:r>
+              <a:t>전자석을 이용한 점자표현</a:t>
+            </a:r>
+            <a:endParaRPr lang="en-US" altLang="ko-KR" sz="1200" dirty="0">
+              <a:gradFill>
+                <a:gsLst>
+                  <a:gs pos="0">
+                    <a:schemeClr val="tx1"/>
+                  </a:gs>
+                  <a:gs pos="100000">
+                    <a:schemeClr val="tx1"/>
+                  </a:gs>
+                </a:gsLst>
+                <a:lin ang="5400000" scaled="1"/>
+              </a:gradFill>
+              <a:ea typeface="KoPub돋움체 Medium" panose="02020603020101020101" pitchFamily="18" charset="-127"/>
+            </a:endParaRPr>
+          </a:p>
+          <a:p>
+            <a:pPr algn="ctr"/>
             <a:r>
               <a:rPr lang="en-US" altLang="ko-KR" sz="1200" dirty="0">
                 <a:gradFill>
@@ -11004,8 +10873,39 @@
                 </a:gradFill>
                 <a:ea typeface="KoPub돋움체 Medium" panose="02020603020101020101" pitchFamily="18" charset="-127"/>
               </a:rPr>
-              <a:t>.</a:t>
-            </a:r>
+              <a:t>-</a:t>
+            </a:r>
+            <a:r>
+              <a:rPr lang="ko-KR" altLang="en-US" sz="1200" dirty="0">
+                <a:gradFill>
+                  <a:gsLst>
+                    <a:gs pos="0">
+                      <a:schemeClr val="tx1"/>
+                    </a:gs>
+                    <a:gs pos="100000">
+                      <a:schemeClr val="tx1"/>
+                    </a:gs>
+                  </a:gsLst>
+                  <a:lin ang="5400000" scaled="1"/>
+                </a:gradFill>
+                <a:ea typeface="KoPub돋움체 Medium" panose="02020603020101020101" pitchFamily="18" charset="-127"/>
+              </a:rPr>
+              <a:t>웹사이트 도우미</a:t>
+            </a:r>
+            <a:endParaRPr lang="en-US" altLang="ko-KR" sz="1200" dirty="0">
+              <a:gradFill>
+                <a:gsLst>
+                  <a:gs pos="0">
+                    <a:schemeClr val="tx1"/>
+                  </a:gs>
+                  <a:gs pos="100000">
+                    <a:schemeClr val="tx1"/>
+                  </a:gs>
+                </a:gsLst>
+                <a:lin ang="5400000" scaled="1"/>
+              </a:gradFill>
+              <a:ea typeface="KoPub돋움체 Medium" panose="02020603020101020101" pitchFamily="18" charset="-127"/>
+            </a:endParaRPr>
           </a:p>
           <a:p>
             <a:pPr algn="ctr"/>
@@ -11027,21 +10927,21 @@
           <a:p>
             <a:pPr algn="ctr"/>
             <a:r>
-              <a:rPr lang="ko-KR" altLang="en-US" sz="1200" dirty="0" err="1">
-                <a:gradFill>
-                  <a:gsLst>
-                    <a:gs pos="0">
-                      <a:schemeClr val="tx1"/>
-                    </a:gs>
-                    <a:gs pos="100000">
-                      <a:schemeClr val="tx1"/>
-                    </a:gs>
-                  </a:gsLst>
-                  <a:lin ang="5400000" scaled="1"/>
-                </a:gradFill>
-                <a:ea typeface="KoPub돋움체 Medium" panose="02020603020101020101" pitchFamily="18" charset="-127"/>
-              </a:rPr>
-              <a:t>팡팡이의</a:t>
+              <a:rPr lang="en-US" altLang="ko-KR" sz="1200" dirty="0">
+                <a:gradFill>
+                  <a:gsLst>
+                    <a:gs pos="0">
+                      <a:schemeClr val="tx1"/>
+                    </a:gs>
+                    <a:gs pos="100000">
+                      <a:schemeClr val="tx1"/>
+                    </a:gs>
+                  </a:gsLst>
+                  <a:lin ang="5400000" scaled="1"/>
+                </a:gradFill>
+                <a:ea typeface="KoPub돋움체 Medium" panose="02020603020101020101" pitchFamily="18" charset="-127"/>
+              </a:rPr>
+              <a:t>PPT </a:t>
             </a:r>
             <a:r>
               <a:rPr lang="ko-KR" altLang="en-US" sz="1200" dirty="0">
@@ -11058,7 +10958,7 @@
                 </a:gradFill>
                 <a:ea typeface="KoPub돋움체 Medium" panose="02020603020101020101" pitchFamily="18" charset="-127"/>
               </a:rPr>
-              <a:t> 부산취재는</a:t>
+              <a:t>템플릿</a:t>
             </a:r>
             <a:endParaRPr lang="en-US" altLang="ko-KR" sz="1200" dirty="0">
               <a:gradFill>
@@ -11074,43 +10974,6 @@
               </a:gradFill>
               <a:ea typeface="KoPub돋움체 Medium" panose="02020603020101020101" pitchFamily="18" charset="-127"/>
             </a:endParaRPr>
-          </a:p>
-          <a:p>
-            <a:pPr algn="ctr"/>
-            <a:r>
-              <a:rPr lang="ko-KR" altLang="en-US" sz="1200" dirty="0">
-                <a:gradFill>
-                  <a:gsLst>
-                    <a:gs pos="0">
-                      <a:schemeClr val="tx1"/>
-                    </a:gs>
-                    <a:gs pos="100000">
-                      <a:schemeClr val="tx1"/>
-                    </a:gs>
-                  </a:gsLst>
-                  <a:lin ang="5400000" scaled="1"/>
-                </a:gradFill>
-                <a:ea typeface="KoPub돋움체 Medium" panose="02020603020101020101" pitchFamily="18" charset="-127"/>
-              </a:rPr>
-              <a:t>축제가 있을 때 업로드합니다</a:t>
-            </a:r>
-            <a:r>
-              <a:rPr lang="en-US" altLang="ko-KR" sz="1200" dirty="0">
-                <a:gradFill>
-                  <a:gsLst>
-                    <a:gs pos="0">
-                      <a:schemeClr val="tx1"/>
-                    </a:gs>
-                    <a:gs pos="100000">
-                      <a:schemeClr val="tx1"/>
-                    </a:gs>
-                  </a:gsLst>
-                  <a:lin ang="5400000" scaled="1"/>
-                </a:gradFill>
-                <a:ea typeface="KoPub돋움체 Medium" panose="02020603020101020101" pitchFamily="18" charset="-127"/>
-              </a:rPr>
-              <a:t>.</a:t>
-            </a:r>
           </a:p>
           <a:p>
             <a:pPr algn="ctr"/>
@@ -11139,8 +11002,8 @@
         </p:nvSpPr>
         <p:spPr>
           <a:xfrm>
-            <a:off x="9050626" y="2801223"/>
-            <a:ext cx="2031326" cy="276999"/>
+            <a:off x="7396834" y="2801223"/>
+            <a:ext cx="1455848" cy="276999"/>
           </a:xfrm>
           <a:prstGeom prst="rect">
             <a:avLst/>
@@ -11155,10 +11018,661 @@
           <a:p>
             <a:pPr algn="ctr"/>
             <a:r>
+              <a:rPr lang="en-US" altLang="ko-KR" sz="1200" dirty="0">
+                <a:gradFill>
+                  <a:gsLst>
+                    <a:gs pos="0">
+                      <a:schemeClr val="bg1"/>
+                    </a:gs>
+                    <a:gs pos="100000">
+                      <a:schemeClr val="bg1"/>
+                    </a:gs>
+                  </a:gsLst>
+                  <a:lin ang="5400000" scaled="1"/>
+                </a:gradFill>
+                <a:ea typeface="KoPub돋움체 Bold" panose="02020603020101020101" pitchFamily="18" charset="-127"/>
+              </a:rPr>
+              <a:t>4</a:t>
+            </a:r>
+            <a:r>
+              <a:rPr lang="ko-KR" altLang="en-US" sz="1200" dirty="0">
+                <a:gradFill>
+                  <a:gsLst>
+                    <a:gs pos="0">
+                      <a:schemeClr val="bg1"/>
+                    </a:gs>
+                    <a:gs pos="100000">
+                      <a:schemeClr val="bg1"/>
+                    </a:gs>
+                  </a:gsLst>
+                  <a:lin ang="5400000" scaled="1"/>
+                </a:gradFill>
+                <a:ea typeface="KoPub돋움체 Bold" panose="02020603020101020101" pitchFamily="18" charset="-127"/>
+              </a:rPr>
+              <a:t>차 아이디어 회의</a:t>
+            </a:r>
+            <a:endParaRPr lang="en-US" altLang="ko-KR" sz="1200" dirty="0">
+              <a:gradFill>
+                <a:gsLst>
+                  <a:gs pos="0">
+                    <a:schemeClr val="bg1"/>
+                  </a:gs>
+                  <a:gs pos="100000">
+                    <a:schemeClr val="bg1"/>
+                  </a:gs>
+                </a:gsLst>
+                <a:lin ang="5400000" scaled="1"/>
+              </a:gradFill>
+              <a:ea typeface="KoPub돋움체 Bold" panose="02020603020101020101" pitchFamily="18" charset="-127"/>
+            </a:endParaRPr>
+          </a:p>
+        </p:txBody>
+      </p:sp>
+      <p:grpSp>
+        <p:nvGrpSpPr>
+          <p:cNvPr id="42" name="그룹 41">
+            <a:extLst>
+              <a:ext uri="{FF2B5EF4-FFF2-40B4-BE49-F238E27FC236}">
+                <a16:creationId xmlns:a16="http://schemas.microsoft.com/office/drawing/2014/main" id="{E34B249E-92DA-48F3-8CC3-133D952BFB2B}"/>
+              </a:ext>
+            </a:extLst>
+          </p:cNvPr>
+          <p:cNvGrpSpPr/>
+          <p:nvPr/>
+        </p:nvGrpSpPr>
+        <p:grpSpPr>
+          <a:xfrm>
+            <a:off x="10396869" y="3732143"/>
+            <a:ext cx="188844" cy="866664"/>
+            <a:chOff x="2001422" y="3732143"/>
+            <a:chExt cx="188844" cy="866664"/>
+          </a:xfrm>
+        </p:grpSpPr>
+        <p:sp>
+          <p:nvSpPr>
+            <p:cNvPr id="43" name="타원 42">
+              <a:extLst>
+                <a:ext uri="{FF2B5EF4-FFF2-40B4-BE49-F238E27FC236}">
+                  <a16:creationId xmlns:a16="http://schemas.microsoft.com/office/drawing/2014/main" id="{B8C363C8-C1F3-4D2A-A2F6-C6858B18E16C}"/>
+                </a:ext>
+              </a:extLst>
+            </p:cNvPr>
+            <p:cNvSpPr/>
+            <p:nvPr/>
+          </p:nvSpPr>
+          <p:spPr>
+            <a:xfrm>
+              <a:off x="2001422" y="3732143"/>
+              <a:ext cx="188844" cy="188844"/>
+            </a:xfrm>
+            <a:prstGeom prst="ellipse">
+              <a:avLst/>
+            </a:prstGeom>
+            <a:solidFill>
+              <a:srgbClr val="40656B"/>
+            </a:solidFill>
+            <a:ln>
+              <a:noFill/>
+            </a:ln>
+          </p:spPr>
+          <p:style>
+            <a:lnRef idx="2">
+              <a:schemeClr val="accent1">
+                <a:shade val="50000"/>
+              </a:schemeClr>
+            </a:lnRef>
+            <a:fillRef idx="1">
+              <a:schemeClr val="accent1"/>
+            </a:fillRef>
+            <a:effectRef idx="0">
+              <a:schemeClr val="accent1"/>
+            </a:effectRef>
+            <a:fontRef idx="minor">
+              <a:schemeClr val="lt1"/>
+            </a:fontRef>
+          </p:style>
+          <p:txBody>
+            <a:bodyPr rot="0" spcFirstLastPara="0" vertOverflow="overflow" horzOverflow="overflow" vert="horz" wrap="square" lIns="91440" tIns="45720" rIns="91440" bIns="45720" numCol="1" spcCol="0" rtlCol="0" fromWordArt="0" anchor="ctr" anchorCtr="0" forceAA="0" compatLnSpc="1">
+              <a:prstTxWarp prst="textNoShape">
+                <a:avLst/>
+              </a:prstTxWarp>
+              <a:noAutofit/>
+            </a:bodyPr>
+            <a:lstStyle/>
+            <a:p>
+              <a:pPr algn="ctr"/>
+              <a:endParaRPr lang="ko-KR" altLang="en-US" dirty="0"/>
+            </a:p>
+          </p:txBody>
+        </p:sp>
+        <p:cxnSp>
+          <p:nvCxnSpPr>
+            <p:cNvPr id="49" name="직선 연결선 48">
+              <a:extLst>
+                <a:ext uri="{FF2B5EF4-FFF2-40B4-BE49-F238E27FC236}">
+                  <a16:creationId xmlns:a16="http://schemas.microsoft.com/office/drawing/2014/main" id="{DAD2DB9B-A7D4-49A7-83DB-0807D67401A0}"/>
+                </a:ext>
+              </a:extLst>
+            </p:cNvPr>
+            <p:cNvCxnSpPr>
+              <a:cxnSpLocks/>
+            </p:cNvCxnSpPr>
+            <p:nvPr/>
+          </p:nvCxnSpPr>
+          <p:spPr>
+            <a:xfrm>
+              <a:off x="2095844" y="3826565"/>
+              <a:ext cx="0" cy="772242"/>
+            </a:xfrm>
+            <a:prstGeom prst="line">
+              <a:avLst/>
+            </a:prstGeom>
+            <a:ln w="31750">
+              <a:solidFill>
+                <a:srgbClr val="40656B"/>
+              </a:solidFill>
+            </a:ln>
+          </p:spPr>
+          <p:style>
+            <a:lnRef idx="1">
+              <a:schemeClr val="accent1"/>
+            </a:lnRef>
+            <a:fillRef idx="0">
+              <a:schemeClr val="accent1"/>
+            </a:fillRef>
+            <a:effectRef idx="0">
+              <a:schemeClr val="accent1"/>
+            </a:effectRef>
+            <a:fontRef idx="minor">
+              <a:schemeClr val="tx1"/>
+            </a:fontRef>
+          </p:style>
+        </p:cxnSp>
+      </p:grpSp>
+      <p:grpSp>
+        <p:nvGrpSpPr>
+          <p:cNvPr id="50" name="그룹 49">
+            <a:extLst>
+              <a:ext uri="{FF2B5EF4-FFF2-40B4-BE49-F238E27FC236}">
+                <a16:creationId xmlns:a16="http://schemas.microsoft.com/office/drawing/2014/main" id="{2BDA7693-1B9E-42BE-ADBD-E8D9C813601E}"/>
+              </a:ext>
+            </a:extLst>
+          </p:cNvPr>
+          <p:cNvGrpSpPr/>
+          <p:nvPr/>
+        </p:nvGrpSpPr>
+        <p:grpSpPr>
+          <a:xfrm>
+            <a:off x="9546244" y="4454970"/>
+            <a:ext cx="1890093" cy="2028022"/>
+            <a:chOff x="1150797" y="4454970"/>
+            <a:chExt cx="1890093" cy="2028022"/>
+          </a:xfrm>
+        </p:grpSpPr>
+        <p:sp>
+          <p:nvSpPr>
+            <p:cNvPr id="51" name="직사각형 50">
+              <a:extLst>
+                <a:ext uri="{FF2B5EF4-FFF2-40B4-BE49-F238E27FC236}">
+                  <a16:creationId xmlns:a16="http://schemas.microsoft.com/office/drawing/2014/main" id="{F18979A8-ACE9-4F1A-B448-1D29D69B2F26}"/>
+                </a:ext>
+              </a:extLst>
+            </p:cNvPr>
+            <p:cNvSpPr/>
+            <p:nvPr/>
+          </p:nvSpPr>
+          <p:spPr>
+            <a:xfrm>
+              <a:off x="1150797" y="4454970"/>
+              <a:ext cx="1890093" cy="287676"/>
+            </a:xfrm>
+            <a:prstGeom prst="rect">
+              <a:avLst/>
+            </a:prstGeom>
+            <a:solidFill>
+              <a:srgbClr val="40656B"/>
+            </a:solidFill>
+            <a:ln>
+              <a:noFill/>
+            </a:ln>
+          </p:spPr>
+          <p:style>
+            <a:lnRef idx="2">
+              <a:schemeClr val="accent1">
+                <a:shade val="50000"/>
+              </a:schemeClr>
+            </a:lnRef>
+            <a:fillRef idx="1">
+              <a:schemeClr val="accent1"/>
+            </a:fillRef>
+            <a:effectRef idx="0">
+              <a:schemeClr val="accent1"/>
+            </a:effectRef>
+            <a:fontRef idx="minor">
+              <a:schemeClr val="lt1"/>
+            </a:fontRef>
+          </p:style>
+          <p:txBody>
+            <a:bodyPr rot="0" spcFirstLastPara="0" vertOverflow="overflow" horzOverflow="overflow" vert="horz" wrap="square" lIns="91440" tIns="45720" rIns="91440" bIns="45720" numCol="1" spcCol="0" rtlCol="0" fromWordArt="0" anchor="ctr" anchorCtr="0" forceAA="0" compatLnSpc="1">
+              <a:prstTxWarp prst="textNoShape">
+                <a:avLst/>
+              </a:prstTxWarp>
+              <a:noAutofit/>
+            </a:bodyPr>
+            <a:lstStyle/>
+            <a:p>
+              <a:pPr algn="ctr"/>
+              <a:endParaRPr lang="ko-KR" altLang="en-US" dirty="0"/>
+            </a:p>
+          </p:txBody>
+        </p:sp>
+        <p:sp>
+          <p:nvSpPr>
+            <p:cNvPr id="52" name="직사각형 51">
+              <a:extLst>
+                <a:ext uri="{FF2B5EF4-FFF2-40B4-BE49-F238E27FC236}">
+                  <a16:creationId xmlns:a16="http://schemas.microsoft.com/office/drawing/2014/main" id="{FE99F2E6-EC66-4574-B246-A7579E9F29F6}"/>
+                </a:ext>
+              </a:extLst>
+            </p:cNvPr>
+            <p:cNvSpPr/>
+            <p:nvPr/>
+          </p:nvSpPr>
+          <p:spPr>
+            <a:xfrm>
+              <a:off x="1150797" y="4742645"/>
+              <a:ext cx="1890093" cy="1740347"/>
+            </a:xfrm>
+            <a:prstGeom prst="rect">
+              <a:avLst/>
+            </a:prstGeom>
+            <a:solidFill>
+              <a:schemeClr val="bg1">
+                <a:lumMod val="95000"/>
+              </a:schemeClr>
+            </a:solidFill>
+            <a:ln>
+              <a:noFill/>
+            </a:ln>
+          </p:spPr>
+          <p:style>
+            <a:lnRef idx="2">
+              <a:schemeClr val="accent1">
+                <a:shade val="50000"/>
+              </a:schemeClr>
+            </a:lnRef>
+            <a:fillRef idx="1">
+              <a:schemeClr val="accent1"/>
+            </a:fillRef>
+            <a:effectRef idx="0">
+              <a:schemeClr val="accent1"/>
+            </a:effectRef>
+            <a:fontRef idx="minor">
+              <a:schemeClr val="lt1"/>
+            </a:fontRef>
+          </p:style>
+          <p:txBody>
+            <a:bodyPr rtlCol="0" anchor="ctr"/>
+            <a:lstStyle/>
+            <a:p>
+              <a:pPr algn="ctr"/>
+              <a:endParaRPr lang="ko-KR" altLang="en-US" dirty="0"/>
+            </a:p>
+          </p:txBody>
+        </p:sp>
+      </p:grpSp>
+      <p:sp>
+        <p:nvSpPr>
+          <p:cNvPr id="53" name="TextBox 52">
+            <a:extLst>
+              <a:ext uri="{FF2B5EF4-FFF2-40B4-BE49-F238E27FC236}">
+                <a16:creationId xmlns:a16="http://schemas.microsoft.com/office/drawing/2014/main" id="{89F710CB-3414-4FC5-9FC3-41E05AC8DC52}"/>
+              </a:ext>
+            </a:extLst>
+          </p:cNvPr>
+          <p:cNvSpPr txBox="1"/>
+          <p:nvPr/>
+        </p:nvSpPr>
+        <p:spPr>
+          <a:xfrm>
+            <a:off x="9439558" y="4830308"/>
+            <a:ext cx="2103461" cy="1384995"/>
+          </a:xfrm>
+          <a:prstGeom prst="rect">
+            <a:avLst/>
+          </a:prstGeom>
+          <a:noFill/>
+        </p:spPr>
+        <p:txBody>
+          <a:bodyPr wrap="none" rtlCol="0">
+            <a:spAutoFit/>
+          </a:bodyPr>
+          <a:lstStyle/>
+          <a:p>
+            <a:pPr algn="ctr"/>
+            <a:r>
+              <a:rPr lang="ko-KR" altLang="en-US" sz="1200" dirty="0">
+                <a:gradFill>
+                  <a:gsLst>
+                    <a:gs pos="0">
+                      <a:schemeClr val="tx1"/>
+                    </a:gs>
+                    <a:gs pos="100000">
+                      <a:schemeClr val="tx1"/>
+                    </a:gs>
+                  </a:gsLst>
+                  <a:lin ang="5400000" scaled="1"/>
+                </a:gradFill>
+                <a:ea typeface="KoPub돋움체 Medium" panose="02020603020101020101" pitchFamily="18" charset="-127"/>
+              </a:rPr>
+              <a:t>수업 </a:t>
+            </a:r>
+            <a:r>
+              <a:rPr lang="en-US" altLang="ko-KR" sz="1200" dirty="0">
+                <a:gradFill>
+                  <a:gsLst>
+                    <a:gs pos="0">
+                      <a:schemeClr val="tx1"/>
+                    </a:gs>
+                    <a:gs pos="100000">
+                      <a:schemeClr val="tx1"/>
+                    </a:gs>
+                  </a:gsLst>
+                  <a:lin ang="5400000" scaled="1"/>
+                </a:gradFill>
+                <a:ea typeface="KoPub돋움체 Medium" panose="02020603020101020101" pitchFamily="18" charset="-127"/>
+              </a:rPr>
+              <a:t>1</a:t>
+            </a:r>
+            <a:r>
+              <a:rPr lang="ko-KR" altLang="en-US" sz="1200" dirty="0">
+                <a:gradFill>
+                  <a:gsLst>
+                    <a:gs pos="0">
+                      <a:schemeClr val="tx1"/>
+                    </a:gs>
+                    <a:gs pos="100000">
+                      <a:schemeClr val="tx1"/>
+                    </a:gs>
+                  </a:gsLst>
+                  <a:lin ang="5400000" scaled="1"/>
+                </a:gradFill>
+                <a:ea typeface="KoPub돋움체 Medium" panose="02020603020101020101" pitchFamily="18" charset="-127"/>
+              </a:rPr>
+              <a:t>주차 일요일</a:t>
+            </a:r>
+            <a:endParaRPr lang="en-US" altLang="ko-KR" sz="1200" dirty="0">
+              <a:gradFill>
+                <a:gsLst>
+                  <a:gs pos="0">
+                    <a:schemeClr val="tx1"/>
+                  </a:gs>
+                  <a:gs pos="100000">
+                    <a:schemeClr val="tx1"/>
+                  </a:gs>
+                </a:gsLst>
+                <a:lin ang="5400000" scaled="1"/>
+              </a:gradFill>
+              <a:ea typeface="KoPub돋움체 Medium" panose="02020603020101020101" pitchFamily="18" charset="-127"/>
+            </a:endParaRPr>
+          </a:p>
+          <a:p>
+            <a:pPr algn="ctr"/>
+            <a:endParaRPr lang="en-US" altLang="ko-KR" sz="1200" dirty="0">
+              <a:gradFill>
+                <a:gsLst>
+                  <a:gs pos="0">
+                    <a:schemeClr val="tx1"/>
+                  </a:gs>
+                  <a:gs pos="100000">
+                    <a:schemeClr val="tx1"/>
+                  </a:gs>
+                </a:gsLst>
+                <a:lin ang="5400000" scaled="1"/>
+              </a:gradFill>
+              <a:ea typeface="KoPub돋움체 Medium" panose="02020603020101020101" pitchFamily="18" charset="-127"/>
+            </a:endParaRPr>
+          </a:p>
+          <a:p>
+            <a:pPr algn="ctr"/>
+            <a:r>
+              <a:rPr lang="ko-KR" altLang="en-US" sz="1200" dirty="0">
+                <a:gradFill>
+                  <a:gsLst>
+                    <a:gs pos="0">
+                      <a:schemeClr val="tx1"/>
+                    </a:gs>
+                    <a:gs pos="100000">
+                      <a:schemeClr val="tx1"/>
+                    </a:gs>
+                  </a:gsLst>
+                  <a:lin ang="5400000" scaled="1"/>
+                </a:gradFill>
+                <a:ea typeface="KoPub돋움체 Medium" panose="02020603020101020101" pitchFamily="18" charset="-127"/>
+              </a:rPr>
+              <a:t>최종 아이디어 결정</a:t>
+            </a:r>
+            <a:endParaRPr lang="en-US" altLang="ko-KR" sz="1200" dirty="0">
+              <a:gradFill>
+                <a:gsLst>
+                  <a:gs pos="0">
+                    <a:schemeClr val="tx1"/>
+                  </a:gs>
+                  <a:gs pos="100000">
+                    <a:schemeClr val="tx1"/>
+                  </a:gs>
+                </a:gsLst>
+                <a:lin ang="5400000" scaled="1"/>
+              </a:gradFill>
+              <a:ea typeface="KoPub돋움체 Medium" panose="02020603020101020101" pitchFamily="18" charset="-127"/>
+            </a:endParaRPr>
+          </a:p>
+          <a:p>
+            <a:pPr algn="ctr"/>
+            <a:r>
+              <a:rPr lang="en-US" altLang="ko-KR" sz="1200" dirty="0">
+                <a:gradFill>
+                  <a:gsLst>
+                    <a:gs pos="0">
+                      <a:schemeClr val="tx1"/>
+                    </a:gs>
+                    <a:gs pos="100000">
+                      <a:schemeClr val="tx1"/>
+                    </a:gs>
+                  </a:gsLst>
+                  <a:lin ang="5400000" scaled="1"/>
+                </a:gradFill>
+                <a:ea typeface="KoPub돋움체 Medium" panose="02020603020101020101" pitchFamily="18" charset="-127"/>
+              </a:rPr>
+              <a:t>-</a:t>
+            </a:r>
+            <a:r>
               <a:rPr lang="ko-KR" altLang="en-US" sz="1200" dirty="0" err="1">
                 <a:gradFill>
                   <a:gsLst>
                     <a:gs pos="0">
+                      <a:schemeClr val="tx1"/>
+                    </a:gs>
+                    <a:gs pos="100000">
+                      <a:schemeClr val="tx1"/>
+                    </a:gs>
+                  </a:gsLst>
+                  <a:lin ang="5400000" scaled="1"/>
+                </a:gradFill>
+                <a:ea typeface="KoPub돋움체 Medium" panose="02020603020101020101" pitchFamily="18" charset="-127"/>
+              </a:rPr>
+              <a:t>키위봇</a:t>
+            </a:r>
+            <a:endParaRPr lang="en-US" altLang="ko-KR" sz="1200" dirty="0">
+              <a:gradFill>
+                <a:gsLst>
+                  <a:gs pos="0">
+                    <a:schemeClr val="tx1"/>
+                  </a:gs>
+                  <a:gs pos="100000">
+                    <a:schemeClr val="tx1"/>
+                  </a:gs>
+                </a:gsLst>
+                <a:lin ang="5400000" scaled="1"/>
+              </a:gradFill>
+              <a:ea typeface="KoPub돋움체 Medium" panose="02020603020101020101" pitchFamily="18" charset="-127"/>
+            </a:endParaRPr>
+          </a:p>
+          <a:p>
+            <a:pPr algn="ctr"/>
+            <a:r>
+              <a:rPr lang="en-US" altLang="ko-KR" sz="1200" dirty="0">
+                <a:gradFill>
+                  <a:gsLst>
+                    <a:gs pos="0">
+                      <a:schemeClr val="tx1"/>
+                    </a:gs>
+                    <a:gs pos="100000">
+                      <a:schemeClr val="tx1"/>
+                    </a:gs>
+                  </a:gsLst>
+                  <a:lin ang="5400000" scaled="1"/>
+                </a:gradFill>
+                <a:ea typeface="KoPub돋움체 Medium" panose="02020603020101020101" pitchFamily="18" charset="-127"/>
+              </a:rPr>
+              <a:t>-</a:t>
+            </a:r>
+            <a:r>
+              <a:rPr lang="ko-KR" altLang="en-US" sz="1200" dirty="0">
+                <a:gradFill>
+                  <a:gsLst>
+                    <a:gs pos="0">
+                      <a:schemeClr val="tx1"/>
+                    </a:gs>
+                    <a:gs pos="100000">
+                      <a:schemeClr val="tx1"/>
+                    </a:gs>
+                  </a:gsLst>
+                  <a:lin ang="5400000" scaled="1"/>
+                </a:gradFill>
+                <a:ea typeface="KoPub돋움체 Medium" panose="02020603020101020101" pitchFamily="18" charset="-127"/>
+              </a:rPr>
+              <a:t>전자석을 이용한 점자 표현</a:t>
+            </a:r>
+            <a:endParaRPr lang="en-US" altLang="ko-KR" sz="1200" dirty="0">
+              <a:gradFill>
+                <a:gsLst>
+                  <a:gs pos="0">
+                    <a:schemeClr val="tx1"/>
+                  </a:gs>
+                  <a:gs pos="100000">
+                    <a:schemeClr val="tx1"/>
+                  </a:gs>
+                </a:gsLst>
+                <a:lin ang="5400000" scaled="1"/>
+              </a:gradFill>
+              <a:ea typeface="KoPub돋움체 Medium" panose="02020603020101020101" pitchFamily="18" charset="-127"/>
+            </a:endParaRPr>
+          </a:p>
+          <a:p>
+            <a:pPr algn="ctr"/>
+            <a:endParaRPr lang="en-US" altLang="ko-KR" sz="1200" dirty="0">
+              <a:gradFill>
+                <a:gsLst>
+                  <a:gs pos="0">
+                    <a:schemeClr val="tx1"/>
+                  </a:gs>
+                  <a:gs pos="100000">
+                    <a:schemeClr val="tx1"/>
+                  </a:gs>
+                </a:gsLst>
+                <a:lin ang="5400000" scaled="1"/>
+              </a:gradFill>
+              <a:ea typeface="KoPub돋움체 Medium" panose="02020603020101020101" pitchFamily="18" charset="-127"/>
+            </a:endParaRPr>
+          </a:p>
+          <a:p>
+            <a:pPr algn="ctr"/>
+            <a:r>
+              <a:rPr lang="en-US" altLang="ko-KR" sz="1200" dirty="0">
+                <a:gradFill>
+                  <a:gsLst>
+                    <a:gs pos="0">
+                      <a:schemeClr val="tx1"/>
+                    </a:gs>
+                    <a:gs pos="100000">
+                      <a:schemeClr val="tx1"/>
+                    </a:gs>
+                  </a:gsLst>
+                  <a:lin ang="5400000" scaled="1"/>
+                </a:gradFill>
+                <a:ea typeface="KoPub돋움체 Medium" panose="02020603020101020101" pitchFamily="18" charset="-127"/>
+              </a:rPr>
+              <a:t>PPT </a:t>
+            </a:r>
+            <a:r>
+              <a:rPr lang="ko-KR" altLang="en-US" sz="1200" dirty="0">
+                <a:gradFill>
+                  <a:gsLst>
+                    <a:gs pos="0">
+                      <a:schemeClr val="tx1"/>
+                    </a:gs>
+                    <a:gs pos="100000">
+                      <a:schemeClr val="tx1"/>
+                    </a:gs>
+                  </a:gsLst>
+                  <a:lin ang="5400000" scaled="1"/>
+                </a:gradFill>
+                <a:ea typeface="KoPub돋움체 Medium" panose="02020603020101020101" pitchFamily="18" charset="-127"/>
+              </a:rPr>
+              <a:t>제작</a:t>
+            </a:r>
+            <a:endParaRPr lang="en-US" altLang="ko-KR" sz="1200" dirty="0">
+              <a:gradFill>
+                <a:gsLst>
+                  <a:gs pos="0">
+                    <a:schemeClr val="tx1"/>
+                  </a:gs>
+                  <a:gs pos="100000">
+                    <a:schemeClr val="tx1"/>
+                  </a:gs>
+                </a:gsLst>
+                <a:lin ang="5400000" scaled="1"/>
+              </a:gradFill>
+              <a:ea typeface="KoPub돋움체 Medium" panose="02020603020101020101" pitchFamily="18" charset="-127"/>
+            </a:endParaRPr>
+          </a:p>
+        </p:txBody>
+      </p:sp>
+      <p:sp>
+        <p:nvSpPr>
+          <p:cNvPr id="54" name="TextBox 53">
+            <a:extLst>
+              <a:ext uri="{FF2B5EF4-FFF2-40B4-BE49-F238E27FC236}">
+                <a16:creationId xmlns:a16="http://schemas.microsoft.com/office/drawing/2014/main" id="{687B3D0D-97BF-4E7A-BD10-71C57482CAA8}"/>
+              </a:ext>
+            </a:extLst>
+          </p:cNvPr>
+          <p:cNvSpPr txBox="1"/>
+          <p:nvPr/>
+        </p:nvSpPr>
+        <p:spPr>
+          <a:xfrm>
+            <a:off x="9763370" y="4465645"/>
+            <a:ext cx="1455848" cy="276999"/>
+          </a:xfrm>
+          <a:prstGeom prst="rect">
+            <a:avLst/>
+          </a:prstGeom>
+          <a:noFill/>
+        </p:spPr>
+        <p:txBody>
+          <a:bodyPr wrap="none" rtlCol="0">
+            <a:spAutoFit/>
+          </a:bodyPr>
+          <a:lstStyle/>
+          <a:p>
+            <a:pPr algn="ctr"/>
+            <a:r>
+              <a:rPr lang="en-US" altLang="ko-KR" sz="1200" dirty="0">
+                <a:gradFill>
+                  <a:gsLst>
+                    <a:gs pos="0">
                       <a:schemeClr val="bg1"/>
                     </a:gs>
                     <a:gs pos="100000">
@@ -11169,7 +11683,24 @@
                 </a:gradFill>
                 <a:ea typeface="KoPub돋움체 Bold" panose="02020603020101020101" pitchFamily="18" charset="-127"/>
               </a:rPr>
-              <a:t>한국정보문화콘텐츠기술원</a:t>
+              <a:t>5</a:t>
+            </a:r>
+            <a:r>
+              <a:rPr lang="ko-KR" altLang="en-US" sz="1200" dirty="0">
+                <a:gradFill>
+                  <a:gsLst>
+                    <a:gs pos="0">
+                      <a:schemeClr val="bg1"/>
+                    </a:gs>
+                    <a:gs pos="100000">
+                      <a:schemeClr val="bg1"/>
+                    </a:gs>
+                  </a:gsLst>
+                  <a:lin ang="5400000" scaled="1"/>
+                </a:gradFill>
+                <a:ea typeface="KoPub돋움체 Bold" panose="02020603020101020101" pitchFamily="18" charset="-127"/>
+              </a:rPr>
+              <a:t>차 아이디어 회의</a:t>
             </a:r>
             <a:endParaRPr lang="en-US" altLang="ko-KR" sz="1200" dirty="0">
               <a:gradFill>
